--- a/Editor Google Material Mockup.pptx
+++ b/Editor Google Material Mockup.pptx
@@ -261,7 +261,7 @@
               <a:rPr lang="en-US" sz="1100" smtClean="0">
                 <a:latin typeface="Segoe UI Light" pitchFamily="34" charset="0"/>
               </a:rPr>
-              <a:t>9/17/2021</a:t>
+              <a:t>6/20/2022</a:t>
             </a:fld>
             <a:endParaRPr lang="en-US" sz="1100">
               <a:latin typeface="Segoe UI Light" pitchFamily="34" charset="0"/>
@@ -434,7 +434,7 @@
           <a:p>
             <a:fld id="{F04FDEA8-CBB8-46CC-9562-028963DBC55A}" type="datetimeFigureOut">
               <a:rPr lang="en-US" smtClean="0"/>
-              <a:t>9/17/2021</a:t>
+              <a:t>6/20/2022</a:t>
             </a:fld>
             <a:endParaRPr lang="en-US"/>
           </a:p>
@@ -12763,7 +12763,7 @@
         </p:nvSpPr>
         <p:spPr>
           <a:xfrm>
-            <a:off x="0" y="0"/>
+            <a:off x="-13447" y="-40645"/>
             <a:ext cx="12192000" cy="533400"/>
           </a:xfrm>
           <a:prstGeom prst="rect">
@@ -13844,6 +13844,98 @@
           </a:p>
         </p:txBody>
       </p:sp>
+      <p:sp>
+        <p:nvSpPr>
+          <p:cNvPr id="41" name="Oval 40">
+            <a:extLst>
+              <a:ext uri="{FF2B5EF4-FFF2-40B4-BE49-F238E27FC236}">
+                <a16:creationId xmlns:a16="http://schemas.microsoft.com/office/drawing/2014/main" id="{B913D5E2-648E-4CCA-82D6-29626454A2B1}"/>
+              </a:ext>
+            </a:extLst>
+          </p:cNvPr>
+          <p:cNvSpPr/>
+          <p:nvPr/>
+        </p:nvSpPr>
+        <p:spPr>
+          <a:xfrm>
+            <a:off x="11345143" y="3550187"/>
+            <a:ext cx="554462" cy="537990"/>
+          </a:xfrm>
+          <a:prstGeom prst="ellipse">
+            <a:avLst/>
+          </a:prstGeom>
+          <a:solidFill>
+            <a:srgbClr val="6200EE"/>
+          </a:solidFill>
+          <a:ln>
+            <a:noFill/>
+          </a:ln>
+        </p:spPr>
+        <p:style>
+          <a:lnRef idx="2">
+            <a:schemeClr val="accent1">
+              <a:shade val="50000"/>
+            </a:schemeClr>
+          </a:lnRef>
+          <a:fillRef idx="1">
+            <a:schemeClr val="accent1"/>
+          </a:fillRef>
+          <a:effectRef idx="0">
+            <a:schemeClr val="accent1"/>
+          </a:effectRef>
+          <a:fontRef idx="minor">
+            <a:schemeClr val="lt1"/>
+          </a:fontRef>
+        </p:style>
+        <p:txBody>
+          <a:bodyPr tIns="36000" bIns="36000" rtlCol="0" anchor="ctr"/>
+          <a:lstStyle/>
+          <a:p>
+            <a:pPr algn="ctr">
+              <a:lnSpc>
+                <a:spcPct val="90000"/>
+              </a:lnSpc>
+            </a:pPr>
+            <a:endParaRPr lang="da-DK" sz="2800" noProof="1"/>
+          </a:p>
+        </p:txBody>
+      </p:sp>
+      <p:pic>
+        <p:nvPicPr>
+          <p:cNvPr id="7" name="Picture 6">
+            <a:extLst>
+              <a:ext uri="{FF2B5EF4-FFF2-40B4-BE49-F238E27FC236}">
+                <a16:creationId xmlns:a16="http://schemas.microsoft.com/office/drawing/2014/main" id="{DFBF49B5-81D3-480E-A270-1C94088DF52B}"/>
+              </a:ext>
+            </a:extLst>
+          </p:cNvPr>
+          <p:cNvPicPr>
+            <a:picLocks noChangeAspect="1"/>
+          </p:cNvPicPr>
+          <p:nvPr/>
+        </p:nvPicPr>
+        <p:blipFill>
+          <a:blip r:embed="rId9">
+            <a:extLst>
+              <a:ext uri="{28A0092B-C50C-407E-A947-70E740481C1C}">
+                <a14:useLocalDpi xmlns:a14="http://schemas.microsoft.com/office/drawing/2010/main" val="0"/>
+              </a:ext>
+            </a:extLst>
+          </a:blip>
+          <a:stretch>
+            <a:fillRect/>
+          </a:stretch>
+        </p:blipFill>
+        <p:spPr>
+          <a:xfrm>
+            <a:off x="11377447" y="3588264"/>
+            <a:ext cx="457200" cy="457200"/>
+          </a:xfrm>
+          <a:prstGeom prst="rect">
+            <a:avLst/>
+          </a:prstGeom>
+        </p:spPr>
+      </p:pic>
     </p:spTree>
     <p:extLst>
       <p:ext uri="{BB962C8B-B14F-4D97-AF65-F5344CB8AC3E}">

--- a/Editor Google Material Mockup.pptx
+++ b/Editor Google Material Mockup.pptx
@@ -5,13 +5,13 @@
     <p:sldMasterId id="2147483648" r:id="rId1"/>
   </p:sldMasterIdLst>
   <p:notesMasterIdLst>
-    <p:notesMasterId r:id="rId10"/>
+    <p:notesMasterId r:id="rId11"/>
   </p:notesMasterIdLst>
   <p:handoutMasterIdLst>
-    <p:handoutMasterId r:id="rId11"/>
+    <p:handoutMasterId r:id="rId12"/>
   </p:handoutMasterIdLst>
   <p:sldIdLst>
-    <p:sldId id="256" r:id="rId2"/>
+    <p:sldId id="264" r:id="rId2"/>
     <p:sldId id="262" r:id="rId3"/>
     <p:sldId id="261" r:id="rId4"/>
     <p:sldId id="257" r:id="rId5"/>
@@ -19,6 +19,7 @@
     <p:sldId id="258" r:id="rId7"/>
     <p:sldId id="259" r:id="rId8"/>
     <p:sldId id="260" r:id="rId9"/>
+    <p:sldId id="256" r:id="rId10"/>
   </p:sldIdLst>
   <p:sldSz cx="12192000" cy="6858000"/>
   <p:notesSz cx="6858000" cy="9144000"/>
@@ -261,7 +262,7 @@
               <a:rPr lang="en-US" sz="1100" smtClean="0">
                 <a:latin typeface="Segoe UI Light" pitchFamily="34" charset="0"/>
               </a:rPr>
-              <a:t>6/20/2022</a:t>
+              <a:t>7/30/2024</a:t>
             </a:fld>
             <a:endParaRPr lang="en-US" sz="1100">
               <a:latin typeface="Segoe UI Light" pitchFamily="34" charset="0"/>
@@ -434,7 +435,7 @@
           <a:p>
             <a:fld id="{F04FDEA8-CBB8-46CC-9562-028963DBC55A}" type="datetimeFigureOut">
               <a:rPr lang="en-US" smtClean="0"/>
-              <a:t>6/20/2022</a:t>
+              <a:t>7/30/2024</a:t>
             </a:fld>
             <a:endParaRPr lang="en-US"/>
           </a:p>
@@ -10095,7 +10096,7 @@
       </a:lvl9pPr>
     </p:otherStyle>
   </p:txStyles>
-  <p:extLst mod="1">
+  <p:extLst>
     <p:ext uri="{27BBF7A9-308A-43DC-89C8-2F10F3537804}">
       <p15:sldGuideLst xmlns:p15="http://schemas.microsoft.com/office/powerpoint/2012/main">
         <p15:guide id="1" pos="3840" userDrawn="1">
@@ -12184,7 +12185,7 @@
     </p:spTree>
     <p:extLst>
       <p:ext uri="{BB962C8B-B14F-4D97-AF65-F5344CB8AC3E}">
-        <p14:creationId xmlns:p14="http://schemas.microsoft.com/office/powerpoint/2010/main" val="2826764846"/>
+        <p14:creationId xmlns:p14="http://schemas.microsoft.com/office/powerpoint/2010/main" val="1821105088"/>
       </p:ext>
     </p:extLst>
   </p:cSld>
@@ -13037,7 +13038,7 @@
                   <a:latin typeface="Rubik" pitchFamily="2" charset="-79"/>
                   <a:cs typeface="Rubik" pitchFamily="2" charset="-79"/>
                 </a:rPr>
-                <a:t>Flavor</a:t>
+                <a:t>View</a:t>
               </a:r>
             </a:p>
           </p:txBody>
@@ -18866,7 +18867,7 @@
         <p:spPr>
           <a:xfrm>
             <a:off x="685800" y="1714500"/>
-            <a:ext cx="10877550" cy="5114083"/>
+            <a:ext cx="10877550" cy="5501882"/>
           </a:xfrm>
         </p:spPr>
         <p:txBody>
@@ -18874,7 +18875,7 @@
           <a:lstStyle/>
           <a:p>
             <a:r>
-              <a:rPr lang="da-DK" dirty="0" err="1">
+              <a:rPr lang="da-DK" sz="2400" dirty="0" err="1">
                 <a:solidFill>
                   <a:schemeClr val="tx1"/>
                 </a:solidFill>
@@ -18882,7 +18883,7 @@
               <a:t>Tiles</a:t>
             </a:r>
             <a:r>
-              <a:rPr lang="da-DK" dirty="0">
+              <a:rPr lang="da-DK" sz="2400" dirty="0">
                 <a:solidFill>
                   <a:schemeClr val="tx1"/>
                 </a:solidFill>
@@ -18892,7 +18893,7 @@
           </a:p>
           <a:p>
             <a:r>
-              <a:rPr lang="da-DK" dirty="0">
+              <a:rPr lang="da-DK" sz="2400" dirty="0">
                 <a:solidFill>
                   <a:schemeClr val="tx1"/>
                 </a:solidFill>
@@ -18900,7 +18901,7 @@
               <a:t>Compose </a:t>
             </a:r>
             <a:r>
-              <a:rPr lang="da-DK" dirty="0" err="1">
+              <a:rPr lang="da-DK" sz="2400" dirty="0" err="1">
                 <a:solidFill>
                   <a:schemeClr val="tx1"/>
                 </a:solidFill>
@@ -18908,7 +18909,7 @@
               <a:t>workscreens</a:t>
             </a:r>
             <a:r>
-              <a:rPr lang="da-DK" dirty="0">
+              <a:rPr lang="da-DK" sz="2400" dirty="0">
                 <a:solidFill>
                   <a:schemeClr val="tx1"/>
                 </a:solidFill>
@@ -18916,7 +18917,7 @@
               <a:t> by </a:t>
             </a:r>
             <a:r>
-              <a:rPr lang="da-DK" dirty="0" err="1">
+              <a:rPr lang="da-DK" sz="2400" dirty="0" err="1">
                 <a:solidFill>
                   <a:schemeClr val="tx1"/>
                 </a:solidFill>
@@ -18924,7 +18925,7 @@
               <a:t>tiling</a:t>
             </a:r>
             <a:r>
-              <a:rPr lang="da-DK" dirty="0">
+              <a:rPr lang="da-DK" sz="2400" dirty="0">
                 <a:solidFill>
                   <a:schemeClr val="tx1"/>
                 </a:solidFill>
@@ -18933,7 +18934,7 @@
             </a:r>
           </a:p>
           <a:p>
-            <a:endParaRPr lang="da-DK" dirty="0">
+            <a:endParaRPr lang="da-DK" sz="2400" dirty="0">
               <a:solidFill>
                 <a:schemeClr val="tx1"/>
               </a:solidFill>
@@ -18941,7 +18942,7 @@
           </a:p>
           <a:p>
             <a:r>
-              <a:rPr lang="da-DK" dirty="0" err="1">
+              <a:rPr lang="da-DK" sz="2400" dirty="0" err="1">
                 <a:solidFill>
                   <a:schemeClr val="tx1"/>
                 </a:solidFill>
@@ -18949,7 +18950,7 @@
               <a:t>Switching</a:t>
             </a:r>
             <a:r>
-              <a:rPr lang="da-DK" dirty="0">
+              <a:rPr lang="da-DK" sz="2400" dirty="0">
                 <a:solidFill>
                   <a:schemeClr val="tx1"/>
                 </a:solidFill>
@@ -18957,7 +18958,7 @@
               <a:t> </a:t>
             </a:r>
             <a:r>
-              <a:rPr lang="da-DK" dirty="0" err="1">
+              <a:rPr lang="da-DK" sz="2400" dirty="0" err="1">
                 <a:solidFill>
                   <a:schemeClr val="tx1"/>
                 </a:solidFill>
@@ -18965,7 +18966,7 @@
               <a:t>between</a:t>
             </a:r>
             <a:r>
-              <a:rPr lang="da-DK" dirty="0">
+              <a:rPr lang="da-DK" sz="2400" dirty="0">
                 <a:solidFill>
                   <a:schemeClr val="tx1"/>
                 </a:solidFill>
@@ -18973,14 +18974,14 @@
               <a:t> </a:t>
             </a:r>
             <a:r>
-              <a:rPr lang="da-DK" dirty="0" err="1">
+              <a:rPr lang="da-DK" sz="2400" dirty="0" err="1">
                 <a:solidFill>
                   <a:schemeClr val="tx1"/>
                 </a:solidFill>
               </a:rPr>
               <a:t>workscreens</a:t>
             </a:r>
-            <a:endParaRPr lang="da-DK" dirty="0">
+            <a:endParaRPr lang="da-DK" sz="2400" dirty="0">
               <a:solidFill>
                 <a:schemeClr val="tx1"/>
               </a:solidFill>
@@ -18988,7 +18989,7 @@
           </a:p>
           <a:p>
             <a:r>
-              <a:rPr lang="da-DK" dirty="0" err="1">
+              <a:rPr lang="da-DK" sz="2400" dirty="0" err="1">
                 <a:solidFill>
                   <a:schemeClr val="tx1"/>
                 </a:solidFill>
@@ -18996,7 +18997,7 @@
               <a:t>Saving</a:t>
             </a:r>
             <a:r>
-              <a:rPr lang="da-DK" dirty="0">
+              <a:rPr lang="da-DK" sz="2400" dirty="0">
                 <a:solidFill>
                   <a:schemeClr val="tx1"/>
                 </a:solidFill>
@@ -19004,7 +19005,7 @@
               <a:t> </a:t>
             </a:r>
             <a:r>
-              <a:rPr lang="da-DK" dirty="0" err="1">
+              <a:rPr lang="da-DK" sz="2400" dirty="0" err="1">
                 <a:solidFill>
                   <a:schemeClr val="tx1"/>
                 </a:solidFill>
@@ -19012,7 +19013,7 @@
               <a:t>workscreens</a:t>
             </a:r>
             <a:r>
-              <a:rPr lang="da-DK" dirty="0">
+              <a:rPr lang="da-DK" sz="2400" dirty="0">
                 <a:solidFill>
                   <a:schemeClr val="tx1"/>
                 </a:solidFill>
@@ -19022,7 +19023,7 @@
           </a:p>
           <a:p>
             <a:r>
-              <a:rPr lang="da-DK" dirty="0" err="1">
+              <a:rPr lang="da-DK" sz="2400" dirty="0" err="1">
                 <a:solidFill>
                   <a:schemeClr val="tx1"/>
                 </a:solidFill>
@@ -19030,7 +19031,7 @@
               <a:t>Launching</a:t>
             </a:r>
             <a:r>
-              <a:rPr lang="da-DK" dirty="0">
+              <a:rPr lang="da-DK" sz="2400" dirty="0">
                 <a:solidFill>
                   <a:schemeClr val="tx1"/>
                 </a:solidFill>
@@ -19038,7 +19039,7 @@
               <a:t> apps (</a:t>
             </a:r>
             <a:r>
-              <a:rPr lang="da-DK" dirty="0" err="1">
+              <a:rPr lang="da-DK" sz="2400" dirty="0" err="1">
                 <a:solidFill>
                   <a:schemeClr val="tx1"/>
                 </a:solidFill>
@@ -19046,7 +19047,7 @@
               <a:t>fullscreen</a:t>
             </a:r>
             <a:r>
-              <a:rPr lang="da-DK" dirty="0">
+              <a:rPr lang="da-DK" sz="2400" dirty="0">
                 <a:solidFill>
                   <a:schemeClr val="tx1"/>
                 </a:solidFill>
@@ -19054,7 +19055,7 @@
               <a:t> and </a:t>
             </a:r>
             <a:r>
-              <a:rPr lang="da-DK" dirty="0" err="1">
+              <a:rPr lang="da-DK" sz="2400" dirty="0" err="1">
                 <a:solidFill>
                   <a:schemeClr val="tx1"/>
                 </a:solidFill>
@@ -19062,7 +19063,7 @@
               <a:t>into</a:t>
             </a:r>
             <a:r>
-              <a:rPr lang="da-DK" dirty="0">
+              <a:rPr lang="da-DK" sz="2400" dirty="0">
                 <a:solidFill>
                   <a:schemeClr val="tx1"/>
                 </a:solidFill>
@@ -19070,7 +19071,7 @@
               <a:t> </a:t>
             </a:r>
             <a:r>
-              <a:rPr lang="da-DK" dirty="0" err="1">
+              <a:rPr lang="da-DK" sz="2400" dirty="0" err="1">
                 <a:solidFill>
                   <a:schemeClr val="tx1"/>
                 </a:solidFill>
@@ -19078,7 +19079,7 @@
               <a:t>workscreen</a:t>
             </a:r>
             <a:r>
-              <a:rPr lang="da-DK" dirty="0">
+              <a:rPr lang="da-DK" sz="2400" dirty="0">
                 <a:solidFill>
                   <a:schemeClr val="tx1"/>
                 </a:solidFill>
@@ -19087,7 +19088,7 @@
             </a:r>
           </a:p>
           <a:p>
-            <a:endParaRPr lang="da-DK" dirty="0">
+            <a:endParaRPr lang="da-DK" sz="2400" dirty="0">
               <a:solidFill>
                 <a:schemeClr val="tx1"/>
               </a:solidFill>
@@ -19095,7 +19096,7 @@
           </a:p>
           <a:p>
             <a:r>
-              <a:rPr lang="da-DK" dirty="0">
+              <a:rPr lang="da-DK" sz="2400" dirty="0">
                 <a:solidFill>
                   <a:schemeClr val="tx1"/>
                 </a:solidFill>
@@ -19103,7 +19104,7 @@
               <a:t>Custom apps – no </a:t>
             </a:r>
             <a:r>
-              <a:rPr lang="da-DK" dirty="0" err="1">
+              <a:rPr lang="da-DK" sz="2400" dirty="0" err="1">
                 <a:solidFill>
                   <a:schemeClr val="tx1"/>
                 </a:solidFill>
@@ -19111,7 +19112,7 @@
               <a:t>code</a:t>
             </a:r>
             <a:r>
-              <a:rPr lang="da-DK" dirty="0">
+              <a:rPr lang="da-DK" sz="2400" dirty="0">
                 <a:solidFill>
                   <a:schemeClr val="tx1"/>
                 </a:solidFill>
@@ -19119,7 +19120,7 @@
               <a:t> </a:t>
             </a:r>
             <a:r>
-              <a:rPr lang="da-DK" dirty="0" err="1">
+              <a:rPr lang="da-DK" sz="2400" dirty="0" err="1">
                 <a:solidFill>
                   <a:schemeClr val="tx1"/>
                 </a:solidFill>
@@ -19127,7 +19128,7 @@
               <a:t>builds</a:t>
             </a:r>
             <a:r>
-              <a:rPr lang="da-DK" dirty="0">
+              <a:rPr lang="da-DK" sz="2400" dirty="0">
                 <a:solidFill>
                   <a:schemeClr val="tx1"/>
                 </a:solidFill>
@@ -19137,7 +19138,7 @@
           </a:p>
           <a:p>
             <a:r>
-              <a:rPr lang="da-DK" dirty="0" err="1">
+              <a:rPr lang="da-DK" sz="2400" dirty="0" err="1">
                 <a:solidFill>
                   <a:schemeClr val="tx1"/>
                 </a:solidFill>
@@ -19145,7 +19146,7 @@
               <a:t>Automating</a:t>
             </a:r>
             <a:r>
-              <a:rPr lang="da-DK" dirty="0">
+              <a:rPr lang="da-DK" sz="2400" dirty="0">
                 <a:solidFill>
                   <a:schemeClr val="tx1"/>
                 </a:solidFill>
@@ -19154,7 +19155,7 @@
             </a:r>
           </a:p>
           <a:p>
-            <a:endParaRPr lang="da-DK" dirty="0">
+            <a:endParaRPr lang="da-DK" sz="2400" dirty="0">
               <a:solidFill>
                 <a:schemeClr val="tx1"/>
               </a:solidFill>
@@ -19162,7 +19163,7 @@
           </a:p>
           <a:p>
             <a:r>
-              <a:rPr lang="da-DK" dirty="0">
+              <a:rPr lang="da-DK" sz="2400" dirty="0">
                 <a:solidFill>
                   <a:schemeClr val="tx1"/>
                 </a:solidFill>
@@ -19170,7 +19171,7 @@
               <a:t>apps </a:t>
             </a:r>
             <a:r>
-              <a:rPr lang="da-DK" dirty="0" err="1">
+              <a:rPr lang="da-DK" sz="2400" dirty="0" err="1">
                 <a:solidFill>
                   <a:schemeClr val="tx1"/>
                 </a:solidFill>
@@ -19178,7 +19179,7 @@
               <a:t>can</a:t>
             </a:r>
             <a:r>
-              <a:rPr lang="da-DK" dirty="0">
+              <a:rPr lang="da-DK" sz="2400" dirty="0">
                 <a:solidFill>
                   <a:schemeClr val="tx1"/>
                 </a:solidFill>
@@ -19186,7 +19187,7 @@
               <a:t> offer </a:t>
             </a:r>
             <a:r>
-              <a:rPr lang="da-DK" dirty="0" err="1">
+              <a:rPr lang="da-DK" sz="2400" dirty="0" err="1">
                 <a:solidFill>
                   <a:schemeClr val="tx1"/>
                 </a:solidFill>
@@ -19194,7 +19195,7 @@
               <a:t>different</a:t>
             </a:r>
             <a:r>
-              <a:rPr lang="da-DK" dirty="0">
+              <a:rPr lang="da-DK" sz="2400" dirty="0">
                 <a:solidFill>
                   <a:schemeClr val="tx1"/>
                 </a:solidFill>
@@ -19202,7 +19203,7 @@
               <a:t> </a:t>
             </a:r>
             <a:r>
-              <a:rPr lang="da-DK" dirty="0" err="1">
+              <a:rPr lang="da-DK" sz="2400" dirty="0" err="1">
                 <a:solidFill>
                   <a:schemeClr val="tx1"/>
                 </a:solidFill>
@@ -19210,7 +19211,7 @@
               <a:t>screens</a:t>
             </a:r>
             <a:r>
-              <a:rPr lang="da-DK" dirty="0">
+              <a:rPr lang="da-DK" sz="2400" dirty="0">
                 <a:solidFill>
                   <a:schemeClr val="tx1"/>
                 </a:solidFill>
@@ -19218,7 +19219,7 @@
               <a:t> for the </a:t>
             </a:r>
             <a:r>
-              <a:rPr lang="da-DK" dirty="0" err="1">
+              <a:rPr lang="da-DK" sz="2400" dirty="0" err="1">
                 <a:solidFill>
                   <a:schemeClr val="tx1"/>
                 </a:solidFill>
@@ -19226,7 +19227,7 @@
               <a:t>tiling</a:t>
             </a:r>
             <a:r>
-              <a:rPr lang="da-DK" dirty="0">
+              <a:rPr lang="da-DK" sz="2400" dirty="0">
                 <a:solidFill>
                   <a:schemeClr val="tx1"/>
                 </a:solidFill>
@@ -19234,7 +19235,7 @@
               <a:t> – </a:t>
             </a:r>
             <a:r>
-              <a:rPr lang="da-DK" dirty="0" err="1">
+              <a:rPr lang="da-DK" sz="2400" dirty="0" err="1">
                 <a:solidFill>
                   <a:schemeClr val="tx1"/>
                 </a:solidFill>
@@ -19242,7 +19243,7 @@
               <a:t>can</a:t>
             </a:r>
             <a:r>
-              <a:rPr lang="da-DK" dirty="0">
+              <a:rPr lang="da-DK" sz="2400" dirty="0">
                 <a:solidFill>
                   <a:schemeClr val="tx1"/>
                 </a:solidFill>
@@ -19250,7 +19251,7 @@
               <a:t> </a:t>
             </a:r>
             <a:r>
-              <a:rPr lang="da-DK" dirty="0" err="1">
+              <a:rPr lang="da-DK" sz="2400" dirty="0" err="1">
                 <a:solidFill>
                   <a:schemeClr val="tx1"/>
                 </a:solidFill>
@@ -19258,7 +19259,7 @@
               <a:t>be</a:t>
             </a:r>
             <a:r>
-              <a:rPr lang="da-DK" dirty="0">
+              <a:rPr lang="da-DK" sz="2400" dirty="0">
                 <a:solidFill>
                   <a:schemeClr val="tx1"/>
                 </a:solidFill>
@@ -19266,7 +19267,7 @@
               <a:t> </a:t>
             </a:r>
             <a:r>
-              <a:rPr lang="da-DK" dirty="0" err="1">
+              <a:rPr lang="da-DK" sz="2400" dirty="0" err="1">
                 <a:solidFill>
                   <a:schemeClr val="tx1"/>
                 </a:solidFill>
@@ -19274,7 +19275,7 @@
               <a:t>use</a:t>
             </a:r>
             <a:r>
-              <a:rPr lang="da-DK" dirty="0">
+              <a:rPr lang="da-DK" sz="2400" dirty="0">
                 <a:solidFill>
                   <a:schemeClr val="tx1"/>
                 </a:solidFill>
@@ -19282,7 +19283,7 @@
               <a:t> to </a:t>
             </a:r>
             <a:r>
-              <a:rPr lang="da-DK" dirty="0" err="1">
+              <a:rPr lang="da-DK" sz="2400" dirty="0" err="1">
                 <a:solidFill>
                   <a:schemeClr val="tx1"/>
                 </a:solidFill>
@@ -19290,29 +19291,104 @@
               <a:t>configure</a:t>
             </a:r>
             <a:r>
-              <a:rPr lang="da-DK" dirty="0">
+              <a:rPr lang="da-DK" sz="2400" dirty="0">
                 <a:solidFill>
                   <a:schemeClr val="tx1"/>
                 </a:solidFill>
               </a:rPr>
-              <a:t> </a:t>
-            </a:r>
-            <a:r>
-              <a:rPr lang="da-DK">
+              <a:t> a single app</a:t>
+            </a:r>
+          </a:p>
+          <a:p>
+            <a:endParaRPr lang="da-DK" sz="2400" dirty="0">
+              <a:solidFill>
+                <a:schemeClr val="tx1"/>
+              </a:solidFill>
+            </a:endParaRPr>
+          </a:p>
+          <a:p>
+            <a:r>
+              <a:rPr lang="da-DK" sz="2400" dirty="0">
                 <a:solidFill>
                   <a:schemeClr val="tx1"/>
                 </a:solidFill>
               </a:rPr>
-              <a:t>a single app</a:t>
-            </a:r>
-            <a:endParaRPr lang="da-DK" dirty="0">
+              <a:t>Apps </a:t>
+            </a:r>
+            <a:r>
+              <a:rPr lang="da-DK" sz="2400" dirty="0" err="1">
+                <a:solidFill>
+                  <a:schemeClr val="tx1"/>
+                </a:solidFill>
+              </a:rPr>
+              <a:t>are</a:t>
+            </a:r>
+            <a:r>
+              <a:rPr lang="da-DK" sz="2400" dirty="0">
+                <a:solidFill>
+                  <a:schemeClr val="tx1"/>
+                </a:solidFill>
+              </a:rPr>
+              <a:t> just </a:t>
+            </a:r>
+            <a:r>
+              <a:rPr lang="da-DK" sz="2400" dirty="0" err="1">
+                <a:solidFill>
+                  <a:schemeClr val="tx1"/>
+                </a:solidFill>
+              </a:rPr>
+              <a:t>urls</a:t>
+            </a:r>
+            <a:r>
+              <a:rPr lang="da-DK" sz="2400" dirty="0">
+                <a:solidFill>
+                  <a:schemeClr val="tx1"/>
+                </a:solidFill>
+              </a:rPr>
+              <a:t> – appicon  = </a:t>
+            </a:r>
+            <a:r>
+              <a:rPr lang="da-DK" sz="2400" dirty="0" err="1">
+                <a:solidFill>
+                  <a:schemeClr val="tx1"/>
+                </a:solidFill>
+              </a:rPr>
+              <a:t>favicon</a:t>
+            </a:r>
+            <a:endParaRPr lang="da-DK" sz="2400" dirty="0">
               <a:solidFill>
                 <a:schemeClr val="tx1"/>
               </a:solidFill>
             </a:endParaRPr>
           </a:p>
           <a:p>
-            <a:endParaRPr lang="da-DK" dirty="0">
+            <a:r>
+              <a:rPr lang="da-DK" sz="2400" dirty="0">
+                <a:solidFill>
+                  <a:schemeClr val="tx1"/>
+                </a:solidFill>
+              </a:rPr>
+              <a:t>Desktop </a:t>
+            </a:r>
+            <a:r>
+              <a:rPr lang="da-DK" sz="2400" dirty="0" err="1">
+                <a:solidFill>
+                  <a:schemeClr val="tx1"/>
+                </a:solidFill>
+              </a:rPr>
+              <a:t>should</a:t>
+            </a:r>
+            <a:r>
+              <a:rPr lang="da-DK" sz="2400" dirty="0">
+                <a:solidFill>
+                  <a:schemeClr val="tx1"/>
+                </a:solidFill>
+              </a:rPr>
+              <a:t> have options for autologin</a:t>
+            </a:r>
+          </a:p>
+          <a:p>
+            <a:endParaRPr lang="da-DK" sz="2400" dirty="0">
               <a:solidFill>
                 <a:schemeClr val="tx1"/>
               </a:solidFill>
@@ -19475,6 +19551,2444 @@
     <p:extLst>
       <p:ext uri="{BB962C8B-B14F-4D97-AF65-F5344CB8AC3E}">
         <p14:creationId xmlns:p14="http://schemas.microsoft.com/office/powerpoint/2010/main" val="606515920"/>
+      </p:ext>
+    </p:extLst>
+  </p:cSld>
+  <p:clrMapOvr>
+    <a:masterClrMapping/>
+  </p:clrMapOvr>
+  <p:transition>
+    <p:wipe/>
+  </p:transition>
+</p:sld>
+</file>
+
+<file path=ppt/slides/slide9.xml><?xml version="1.0" encoding="utf-8"?>
+<p:sld xmlns:a="http://schemas.openxmlformats.org/drawingml/2006/main" xmlns:r="http://schemas.openxmlformats.org/officeDocument/2006/relationships" xmlns:p="http://schemas.openxmlformats.org/presentationml/2006/main">
+  <p:cSld>
+    <p:spTree>
+      <p:nvGrpSpPr>
+        <p:cNvPr id="1" name=""/>
+        <p:cNvGrpSpPr/>
+        <p:nvPr/>
+      </p:nvGrpSpPr>
+      <p:grpSpPr>
+        <a:xfrm>
+          <a:off x="0" y="0"/>
+          <a:ext cx="0" cy="0"/>
+          <a:chOff x="0" y="0"/>
+          <a:chExt cx="0" cy="0"/>
+        </a:xfrm>
+      </p:grpSpPr>
+      <p:sp>
+        <p:nvSpPr>
+          <p:cNvPr id="42" name="Rectangle 41">
+            <a:extLst>
+              <a:ext uri="{FF2B5EF4-FFF2-40B4-BE49-F238E27FC236}">
+                <a16:creationId xmlns:a16="http://schemas.microsoft.com/office/drawing/2014/main" id="{4B14FCA7-1EDF-462E-879C-47ED9AC81FF4}"/>
+              </a:ext>
+            </a:extLst>
+          </p:cNvPr>
+          <p:cNvSpPr/>
+          <p:nvPr/>
+        </p:nvSpPr>
+        <p:spPr>
+          <a:xfrm>
+            <a:off x="0" y="5589237"/>
+            <a:ext cx="12202099" cy="1289087"/>
+          </a:xfrm>
+          <a:prstGeom prst="rect">
+            <a:avLst/>
+          </a:prstGeom>
+          <a:solidFill>
+            <a:schemeClr val="tx1">
+              <a:lumMod val="50000"/>
+              <a:lumOff val="50000"/>
+            </a:schemeClr>
+          </a:solidFill>
+          <a:ln>
+            <a:noFill/>
+          </a:ln>
+        </p:spPr>
+        <p:style>
+          <a:lnRef idx="2">
+            <a:schemeClr val="accent1">
+              <a:shade val="50000"/>
+            </a:schemeClr>
+          </a:lnRef>
+          <a:fillRef idx="1">
+            <a:schemeClr val="accent1"/>
+          </a:fillRef>
+          <a:effectRef idx="0">
+            <a:schemeClr val="accent1"/>
+          </a:effectRef>
+          <a:fontRef idx="minor">
+            <a:schemeClr val="lt1"/>
+          </a:fontRef>
+        </p:style>
+        <p:txBody>
+          <a:bodyPr tIns="36000" bIns="36000" rtlCol="0" anchor="ctr"/>
+          <a:lstStyle/>
+          <a:p>
+            <a:pPr algn="ctr">
+              <a:lnSpc>
+                <a:spcPct val="90000"/>
+              </a:lnSpc>
+            </a:pPr>
+            <a:endParaRPr lang="da-DK" sz="2800" noProof="1"/>
+          </a:p>
+        </p:txBody>
+      </p:sp>
+      <p:sp>
+        <p:nvSpPr>
+          <p:cNvPr id="15" name="Rectangle 14">
+            <a:extLst>
+              <a:ext uri="{FF2B5EF4-FFF2-40B4-BE49-F238E27FC236}">
+                <a16:creationId xmlns:a16="http://schemas.microsoft.com/office/drawing/2014/main" id="{C8D6824B-246C-4D00-8A2C-CA16172A913B}"/>
+              </a:ext>
+            </a:extLst>
+          </p:cNvPr>
+          <p:cNvSpPr/>
+          <p:nvPr/>
+        </p:nvSpPr>
+        <p:spPr>
+          <a:xfrm>
+            <a:off x="0" y="5589238"/>
+            <a:ext cx="12202099" cy="506706"/>
+          </a:xfrm>
+          <a:prstGeom prst="rect">
+            <a:avLst/>
+          </a:prstGeom>
+          <a:solidFill>
+            <a:schemeClr val="bg2"/>
+          </a:solidFill>
+          <a:ln>
+            <a:noFill/>
+          </a:ln>
+        </p:spPr>
+        <p:style>
+          <a:lnRef idx="2">
+            <a:schemeClr val="accent1">
+              <a:shade val="50000"/>
+            </a:schemeClr>
+          </a:lnRef>
+          <a:fillRef idx="1">
+            <a:schemeClr val="accent1"/>
+          </a:fillRef>
+          <a:effectRef idx="0">
+            <a:schemeClr val="accent1"/>
+          </a:effectRef>
+          <a:fontRef idx="minor">
+            <a:schemeClr val="lt1"/>
+          </a:fontRef>
+        </p:style>
+        <p:txBody>
+          <a:bodyPr tIns="36000" bIns="36000" rtlCol="0" anchor="ctr"/>
+          <a:lstStyle/>
+          <a:p>
+            <a:pPr algn="ctr">
+              <a:lnSpc>
+                <a:spcPct val="90000"/>
+              </a:lnSpc>
+            </a:pPr>
+            <a:endParaRPr lang="da-DK" sz="2800" noProof="1"/>
+          </a:p>
+        </p:txBody>
+      </p:sp>
+      <p:sp>
+        <p:nvSpPr>
+          <p:cNvPr id="14" name="Rectangle 13">
+            <a:extLst>
+              <a:ext uri="{FF2B5EF4-FFF2-40B4-BE49-F238E27FC236}">
+                <a16:creationId xmlns:a16="http://schemas.microsoft.com/office/drawing/2014/main" id="{070D74D6-7F7F-46EC-B7B3-39256F65D697}"/>
+              </a:ext>
+            </a:extLst>
+          </p:cNvPr>
+          <p:cNvSpPr/>
+          <p:nvPr/>
+        </p:nvSpPr>
+        <p:spPr>
+          <a:xfrm>
+            <a:off x="0" y="533361"/>
+            <a:ext cx="3791744" cy="5055838"/>
+          </a:xfrm>
+          <a:prstGeom prst="rect">
+            <a:avLst/>
+          </a:prstGeom>
+          <a:solidFill>
+            <a:schemeClr val="accent6">
+              <a:lumMod val="40000"/>
+              <a:lumOff val="60000"/>
+            </a:schemeClr>
+          </a:solidFill>
+          <a:ln>
+            <a:noFill/>
+          </a:ln>
+          <a:effectLst>
+            <a:outerShdw blurRad="50800" dist="38100" dir="5400000" algn="t" rotWithShape="0">
+              <a:prstClr val="black">
+                <a:alpha val="40000"/>
+              </a:prstClr>
+            </a:outerShdw>
+          </a:effectLst>
+        </p:spPr>
+        <p:style>
+          <a:lnRef idx="2">
+            <a:schemeClr val="accent1">
+              <a:shade val="50000"/>
+            </a:schemeClr>
+          </a:lnRef>
+          <a:fillRef idx="1">
+            <a:schemeClr val="accent1"/>
+          </a:fillRef>
+          <a:effectRef idx="0">
+            <a:schemeClr val="accent1"/>
+          </a:effectRef>
+          <a:fontRef idx="minor">
+            <a:schemeClr val="lt1"/>
+          </a:fontRef>
+        </p:style>
+        <p:txBody>
+          <a:bodyPr tIns="36000" bIns="36000" rtlCol="0" anchor="ctr"/>
+          <a:lstStyle/>
+          <a:p>
+            <a:pPr algn="ctr">
+              <a:lnSpc>
+                <a:spcPct val="90000"/>
+              </a:lnSpc>
+            </a:pPr>
+            <a:endParaRPr lang="da-DK" sz="2800" noProof="1"/>
+          </a:p>
+        </p:txBody>
+      </p:sp>
+      <p:sp>
+        <p:nvSpPr>
+          <p:cNvPr id="3" name="TextBox 2">
+            <a:extLst>
+              <a:ext uri="{FF2B5EF4-FFF2-40B4-BE49-F238E27FC236}">
+                <a16:creationId xmlns:a16="http://schemas.microsoft.com/office/drawing/2014/main" id="{68CCFE0C-F1AE-4487-A4BB-437386464A3F}"/>
+              </a:ext>
+            </a:extLst>
+          </p:cNvPr>
+          <p:cNvSpPr txBox="1"/>
+          <p:nvPr/>
+        </p:nvSpPr>
+        <p:spPr>
+          <a:xfrm>
+            <a:off x="405792" y="731072"/>
+            <a:ext cx="3349561" cy="322002"/>
+          </a:xfrm>
+          <a:prstGeom prst="rect">
+            <a:avLst/>
+          </a:prstGeom>
+          <a:noFill/>
+        </p:spPr>
+        <p:txBody>
+          <a:bodyPr wrap="square" lIns="0" tIns="36000" rIns="0" bIns="36000" rtlCol="0">
+            <a:spAutoFit/>
+          </a:bodyPr>
+          <a:lstStyle/>
+          <a:p>
+            <a:pPr>
+              <a:lnSpc>
+                <a:spcPct val="90000"/>
+              </a:lnSpc>
+            </a:pPr>
+            <a:r>
+              <a:rPr lang="da-DK" noProof="1">
+                <a:solidFill>
+                  <a:schemeClr val="tx1">
+                    <a:lumMod val="85000"/>
+                    <a:lumOff val="15000"/>
+                  </a:schemeClr>
+                </a:solidFill>
+                <a:latin typeface="Rubik" pitchFamily="2" charset="-79"/>
+                <a:cs typeface="Rubik" pitchFamily="2" charset="-79"/>
+              </a:rPr>
+              <a:t>github://phookdk/dawn</a:t>
+            </a:r>
+          </a:p>
+        </p:txBody>
+      </p:sp>
+      <p:cxnSp>
+        <p:nvCxnSpPr>
+          <p:cNvPr id="5" name="Straight Connector 4">
+            <a:extLst>
+              <a:ext uri="{FF2B5EF4-FFF2-40B4-BE49-F238E27FC236}">
+                <a16:creationId xmlns:a16="http://schemas.microsoft.com/office/drawing/2014/main" id="{A5ACFFAD-D79B-47D1-B550-3E021552EF98}"/>
+              </a:ext>
+            </a:extLst>
+          </p:cNvPr>
+          <p:cNvCxnSpPr>
+            <a:cxnSpLocks/>
+          </p:cNvCxnSpPr>
+          <p:nvPr/>
+        </p:nvCxnSpPr>
+        <p:spPr>
+          <a:xfrm>
+            <a:off x="119336" y="1053074"/>
+            <a:ext cx="3384376" cy="0"/>
+          </a:xfrm>
+          <a:prstGeom prst="line">
+            <a:avLst/>
+          </a:prstGeom>
+          <a:ln w="19050"/>
+        </p:spPr>
+        <p:style>
+          <a:lnRef idx="1">
+            <a:schemeClr val="accent1"/>
+          </a:lnRef>
+          <a:fillRef idx="0">
+            <a:schemeClr val="accent1"/>
+          </a:fillRef>
+          <a:effectRef idx="0">
+            <a:schemeClr val="accent1"/>
+          </a:effectRef>
+          <a:fontRef idx="minor">
+            <a:schemeClr val="tx1"/>
+          </a:fontRef>
+        </p:style>
+      </p:cxnSp>
+      <p:sp>
+        <p:nvSpPr>
+          <p:cNvPr id="6" name="TextBox 5">
+            <a:extLst>
+              <a:ext uri="{FF2B5EF4-FFF2-40B4-BE49-F238E27FC236}">
+                <a16:creationId xmlns:a16="http://schemas.microsoft.com/office/drawing/2014/main" id="{0AAF627B-4D74-40EA-B321-49CF928BDDA2}"/>
+              </a:ext>
+            </a:extLst>
+          </p:cNvPr>
+          <p:cNvSpPr txBox="1"/>
+          <p:nvPr/>
+        </p:nvSpPr>
+        <p:spPr>
+          <a:xfrm>
+            <a:off x="272036" y="548680"/>
+            <a:ext cx="2736304" cy="238902"/>
+          </a:xfrm>
+          <a:prstGeom prst="rect">
+            <a:avLst/>
+          </a:prstGeom>
+          <a:noFill/>
+        </p:spPr>
+        <p:txBody>
+          <a:bodyPr wrap="square" lIns="0" tIns="36000" rIns="0" bIns="36000" rtlCol="0">
+            <a:spAutoFit/>
+          </a:bodyPr>
+          <a:lstStyle/>
+          <a:p>
+            <a:pPr>
+              <a:lnSpc>
+                <a:spcPct val="90000"/>
+              </a:lnSpc>
+            </a:pPr>
+            <a:r>
+              <a:rPr lang="da-DK" sz="1200" noProof="1">
+                <a:latin typeface="Rubik" pitchFamily="2" charset="-79"/>
+                <a:cs typeface="Rubik" pitchFamily="2" charset="-79"/>
+              </a:rPr>
+              <a:t>Project URL</a:t>
+            </a:r>
+          </a:p>
+        </p:txBody>
+      </p:sp>
+      <p:pic>
+        <p:nvPicPr>
+          <p:cNvPr id="9" name="Picture 8">
+            <a:extLst>
+              <a:ext uri="{FF2B5EF4-FFF2-40B4-BE49-F238E27FC236}">
+                <a16:creationId xmlns:a16="http://schemas.microsoft.com/office/drawing/2014/main" id="{A66B4DF4-6637-4C6C-8608-93F6C87A1C4D}"/>
+              </a:ext>
+            </a:extLst>
+          </p:cNvPr>
+          <p:cNvPicPr>
+            <a:picLocks noChangeAspect="1"/>
+          </p:cNvPicPr>
+          <p:nvPr/>
+        </p:nvPicPr>
+        <p:blipFill>
+          <a:blip r:embed="rId2">
+            <a:extLst>
+              <a:ext uri="{28A0092B-C50C-407E-A947-70E740481C1C}">
+                <a14:useLocalDpi xmlns:a14="http://schemas.microsoft.com/office/drawing/2010/main" val="0"/>
+              </a:ext>
+            </a:extLst>
+          </a:blip>
+          <a:stretch>
+            <a:fillRect/>
+          </a:stretch>
+        </p:blipFill>
+        <p:spPr>
+          <a:xfrm>
+            <a:off x="3160812" y="668131"/>
+            <a:ext cx="342900" cy="342900"/>
+          </a:xfrm>
+          <a:prstGeom prst="rect">
+            <a:avLst/>
+          </a:prstGeom>
+        </p:spPr>
+      </p:pic>
+      <p:pic>
+        <p:nvPicPr>
+          <p:cNvPr id="12" name="Picture 11">
+            <a:extLst>
+              <a:ext uri="{FF2B5EF4-FFF2-40B4-BE49-F238E27FC236}">
+                <a16:creationId xmlns:a16="http://schemas.microsoft.com/office/drawing/2014/main" id="{394D4D80-61D1-440B-81BF-0658D8E73012}"/>
+              </a:ext>
+            </a:extLst>
+          </p:cNvPr>
+          <p:cNvPicPr>
+            <a:picLocks noChangeAspect="1"/>
+          </p:cNvPicPr>
+          <p:nvPr/>
+        </p:nvPicPr>
+        <p:blipFill>
+          <a:blip r:embed="rId2">
+            <a:extLst>
+              <a:ext uri="{28A0092B-C50C-407E-A947-70E740481C1C}">
+                <a14:useLocalDpi xmlns:a14="http://schemas.microsoft.com/office/drawing/2010/main" val="0"/>
+              </a:ext>
+            </a:extLst>
+          </a:blip>
+          <a:stretch>
+            <a:fillRect/>
+          </a:stretch>
+        </p:blipFill>
+        <p:spPr>
+          <a:xfrm>
+            <a:off x="249329" y="1203626"/>
+            <a:ext cx="342900" cy="342900"/>
+          </a:xfrm>
+          <a:prstGeom prst="rect">
+            <a:avLst/>
+          </a:prstGeom>
+        </p:spPr>
+      </p:pic>
+      <p:pic>
+        <p:nvPicPr>
+          <p:cNvPr id="16" name="Picture 15">
+            <a:extLst>
+              <a:ext uri="{FF2B5EF4-FFF2-40B4-BE49-F238E27FC236}">
+                <a16:creationId xmlns:a16="http://schemas.microsoft.com/office/drawing/2014/main" id="{004E274C-7ADB-4FBE-9367-873CE35B1E85}"/>
+              </a:ext>
+            </a:extLst>
+          </p:cNvPr>
+          <p:cNvPicPr>
+            <a:picLocks noChangeAspect="1"/>
+          </p:cNvPicPr>
+          <p:nvPr/>
+        </p:nvPicPr>
+        <p:blipFill>
+          <a:blip r:embed="rId2">
+            <a:extLst>
+              <a:ext uri="{28A0092B-C50C-407E-A947-70E740481C1C}">
+                <a14:useLocalDpi xmlns:a14="http://schemas.microsoft.com/office/drawing/2010/main" val="0"/>
+              </a:ext>
+            </a:extLst>
+          </a:blip>
+          <a:stretch>
+            <a:fillRect/>
+          </a:stretch>
+        </p:blipFill>
+        <p:spPr>
+          <a:xfrm>
+            <a:off x="249329" y="1561270"/>
+            <a:ext cx="342900" cy="342900"/>
+          </a:xfrm>
+          <a:prstGeom prst="rect">
+            <a:avLst/>
+          </a:prstGeom>
+        </p:spPr>
+      </p:pic>
+      <p:sp>
+        <p:nvSpPr>
+          <p:cNvPr id="19" name="TextBox 18">
+            <a:extLst>
+              <a:ext uri="{FF2B5EF4-FFF2-40B4-BE49-F238E27FC236}">
+                <a16:creationId xmlns:a16="http://schemas.microsoft.com/office/drawing/2014/main" id="{77102A35-B991-4C8A-9771-59DFE245DFCE}"/>
+              </a:ext>
+            </a:extLst>
+          </p:cNvPr>
+          <p:cNvSpPr txBox="1"/>
+          <p:nvPr/>
+        </p:nvSpPr>
+        <p:spPr>
+          <a:xfrm>
+            <a:off x="688843" y="1976487"/>
+            <a:ext cx="2950201" cy="322002"/>
+          </a:xfrm>
+          <a:prstGeom prst="rect">
+            <a:avLst/>
+          </a:prstGeom>
+          <a:noFill/>
+        </p:spPr>
+        <p:txBody>
+          <a:bodyPr wrap="square" lIns="0" tIns="36000" rIns="0" bIns="36000" rtlCol="0">
+            <a:spAutoFit/>
+          </a:bodyPr>
+          <a:lstStyle/>
+          <a:p>
+            <a:pPr>
+              <a:lnSpc>
+                <a:spcPct val="90000"/>
+              </a:lnSpc>
+            </a:pPr>
+            <a:r>
+              <a:rPr lang="da-DK" noProof="1">
+                <a:solidFill>
+                  <a:schemeClr val="tx1">
+                    <a:lumMod val="85000"/>
+                    <a:lumOff val="15000"/>
+                  </a:schemeClr>
+                </a:solidFill>
+                <a:latin typeface="Rubik" pitchFamily="2" charset="-79"/>
+                <a:cs typeface="Rubik" pitchFamily="2" charset="-79"/>
+              </a:rPr>
+              <a:t>add</a:t>
+            </a:r>
+          </a:p>
+        </p:txBody>
+      </p:sp>
+      <p:sp>
+        <p:nvSpPr>
+          <p:cNvPr id="20" name="TextBox 19">
+            <a:extLst>
+              <a:ext uri="{FF2B5EF4-FFF2-40B4-BE49-F238E27FC236}">
+                <a16:creationId xmlns:a16="http://schemas.microsoft.com/office/drawing/2014/main" id="{87B8609B-5436-4864-87AC-6AA9D46D6650}"/>
+              </a:ext>
+            </a:extLst>
+          </p:cNvPr>
+          <p:cNvSpPr txBox="1"/>
+          <p:nvPr/>
+        </p:nvSpPr>
+        <p:spPr>
+          <a:xfrm>
+            <a:off x="704283" y="2352557"/>
+            <a:ext cx="2934761" cy="322002"/>
+          </a:xfrm>
+          <a:prstGeom prst="rect">
+            <a:avLst/>
+          </a:prstGeom>
+          <a:noFill/>
+        </p:spPr>
+        <p:txBody>
+          <a:bodyPr wrap="square" lIns="0" tIns="36000" rIns="0" bIns="36000" rtlCol="0">
+            <a:spAutoFit/>
+          </a:bodyPr>
+          <a:lstStyle/>
+          <a:p>
+            <a:pPr>
+              <a:lnSpc>
+                <a:spcPct val="90000"/>
+              </a:lnSpc>
+            </a:pPr>
+            <a:r>
+              <a:rPr lang="da-DK" noProof="1">
+                <a:solidFill>
+                  <a:schemeClr val="tx1">
+                    <a:lumMod val="85000"/>
+                    <a:lumOff val="15000"/>
+                  </a:schemeClr>
+                </a:solidFill>
+                <a:latin typeface="Rubik" pitchFamily="2" charset="-79"/>
+                <a:cs typeface="Rubik" pitchFamily="2" charset="-79"/>
+              </a:rPr>
+              <a:t>concatenate</a:t>
+            </a:r>
+          </a:p>
+        </p:txBody>
+      </p:sp>
+      <p:sp>
+        <p:nvSpPr>
+          <p:cNvPr id="21" name="TextBox 20">
+            <a:extLst>
+              <a:ext uri="{FF2B5EF4-FFF2-40B4-BE49-F238E27FC236}">
+                <a16:creationId xmlns:a16="http://schemas.microsoft.com/office/drawing/2014/main" id="{6E9E95D5-0A94-4F07-8CA8-8F65448F8619}"/>
+              </a:ext>
+            </a:extLst>
+          </p:cNvPr>
+          <p:cNvSpPr txBox="1"/>
+          <p:nvPr/>
+        </p:nvSpPr>
+        <p:spPr>
+          <a:xfrm>
+            <a:off x="688843" y="2728627"/>
+            <a:ext cx="2950201" cy="322002"/>
+          </a:xfrm>
+          <a:prstGeom prst="rect">
+            <a:avLst/>
+          </a:prstGeom>
+          <a:noFill/>
+          <a:effectLst/>
+        </p:spPr>
+        <p:txBody>
+          <a:bodyPr wrap="square" lIns="0" tIns="36000" rIns="0" bIns="36000" rtlCol="0">
+            <a:spAutoFit/>
+          </a:bodyPr>
+          <a:lstStyle/>
+          <a:p>
+            <a:pPr>
+              <a:lnSpc>
+                <a:spcPct val="90000"/>
+              </a:lnSpc>
+            </a:pPr>
+            <a:r>
+              <a:rPr lang="da-DK" noProof="1">
+                <a:solidFill>
+                  <a:schemeClr val="tx1">
+                    <a:lumMod val="85000"/>
+                    <a:lumOff val="15000"/>
+                  </a:schemeClr>
+                </a:solidFill>
+                <a:latin typeface="Rubik" pitchFamily="2" charset="-79"/>
+                <a:cs typeface="Rubik" pitchFamily="2" charset="-79"/>
+              </a:rPr>
+              <a:t>console</a:t>
+            </a:r>
+          </a:p>
+        </p:txBody>
+      </p:sp>
+      <p:pic>
+        <p:nvPicPr>
+          <p:cNvPr id="7" name="Picture 6">
+            <a:extLst>
+              <a:ext uri="{FF2B5EF4-FFF2-40B4-BE49-F238E27FC236}">
+                <a16:creationId xmlns:a16="http://schemas.microsoft.com/office/drawing/2014/main" id="{05650EB5-12E6-45C0-9F45-481061C39235}"/>
+              </a:ext>
+            </a:extLst>
+          </p:cNvPr>
+          <p:cNvPicPr>
+            <a:picLocks noChangeAspect="1"/>
+          </p:cNvPicPr>
+          <p:nvPr/>
+        </p:nvPicPr>
+        <p:blipFill>
+          <a:blip r:embed="rId3">
+            <a:extLst>
+              <a:ext uri="{28A0092B-C50C-407E-A947-70E740481C1C}">
+                <a14:useLocalDpi xmlns:a14="http://schemas.microsoft.com/office/drawing/2010/main" val="0"/>
+              </a:ext>
+            </a:extLst>
+          </a:blip>
+          <a:stretch>
+            <a:fillRect/>
+          </a:stretch>
+        </p:blipFill>
+        <p:spPr>
+          <a:xfrm>
+            <a:off x="253092" y="1916832"/>
+            <a:ext cx="342900" cy="342900"/>
+          </a:xfrm>
+          <a:prstGeom prst="rect">
+            <a:avLst/>
+          </a:prstGeom>
+        </p:spPr>
+      </p:pic>
+      <p:pic>
+        <p:nvPicPr>
+          <p:cNvPr id="22" name="Picture 21">
+            <a:extLst>
+              <a:ext uri="{FF2B5EF4-FFF2-40B4-BE49-F238E27FC236}">
+                <a16:creationId xmlns:a16="http://schemas.microsoft.com/office/drawing/2014/main" id="{745962F7-9CF2-4C78-BFCA-0EAB65C8826F}"/>
+              </a:ext>
+            </a:extLst>
+          </p:cNvPr>
+          <p:cNvPicPr>
+            <a:picLocks noChangeAspect="1"/>
+          </p:cNvPicPr>
+          <p:nvPr/>
+        </p:nvPicPr>
+        <p:blipFill>
+          <a:blip r:embed="rId3">
+            <a:extLst>
+              <a:ext uri="{28A0092B-C50C-407E-A947-70E740481C1C}">
+                <a14:useLocalDpi xmlns:a14="http://schemas.microsoft.com/office/drawing/2010/main" val="0"/>
+              </a:ext>
+            </a:extLst>
+          </a:blip>
+          <a:stretch>
+            <a:fillRect/>
+          </a:stretch>
+        </p:blipFill>
+        <p:spPr>
+          <a:xfrm>
+            <a:off x="254704" y="2309239"/>
+            <a:ext cx="342900" cy="342900"/>
+          </a:xfrm>
+          <a:prstGeom prst="rect">
+            <a:avLst/>
+          </a:prstGeom>
+        </p:spPr>
+      </p:pic>
+      <p:pic>
+        <p:nvPicPr>
+          <p:cNvPr id="23" name="Picture 22">
+            <a:extLst>
+              <a:ext uri="{FF2B5EF4-FFF2-40B4-BE49-F238E27FC236}">
+                <a16:creationId xmlns:a16="http://schemas.microsoft.com/office/drawing/2014/main" id="{E4BE0078-6C5C-4A3C-99F9-B7021974E29E}"/>
+              </a:ext>
+            </a:extLst>
+          </p:cNvPr>
+          <p:cNvPicPr>
+            <a:picLocks noChangeAspect="1"/>
+          </p:cNvPicPr>
+          <p:nvPr/>
+        </p:nvPicPr>
+        <p:blipFill>
+          <a:blip r:embed="rId3">
+            <a:extLst>
+              <a:ext uri="{28A0092B-C50C-407E-A947-70E740481C1C}">
+                <a14:useLocalDpi xmlns:a14="http://schemas.microsoft.com/office/drawing/2010/main" val="0"/>
+              </a:ext>
+            </a:extLst>
+          </a:blip>
+          <a:stretch>
+            <a:fillRect/>
+          </a:stretch>
+        </p:blipFill>
+        <p:spPr>
+          <a:xfrm>
+            <a:off x="253092" y="2701646"/>
+            <a:ext cx="342900" cy="342900"/>
+          </a:xfrm>
+          <a:prstGeom prst="rect">
+            <a:avLst/>
+          </a:prstGeom>
+        </p:spPr>
+      </p:pic>
+      <p:sp>
+        <p:nvSpPr>
+          <p:cNvPr id="17" name="TextBox 16">
+            <a:extLst>
+              <a:ext uri="{FF2B5EF4-FFF2-40B4-BE49-F238E27FC236}">
+                <a16:creationId xmlns:a16="http://schemas.microsoft.com/office/drawing/2014/main" id="{5BC04BD6-F434-428F-8EC3-D2FAD9EC2B21}"/>
+              </a:ext>
+            </a:extLst>
+          </p:cNvPr>
+          <p:cNvSpPr txBox="1"/>
+          <p:nvPr/>
+        </p:nvSpPr>
+        <p:spPr>
+          <a:xfrm>
+            <a:off x="688843" y="1215873"/>
+            <a:ext cx="3013574" cy="322002"/>
+          </a:xfrm>
+          <a:prstGeom prst="rect">
+            <a:avLst/>
+          </a:prstGeom>
+          <a:noFill/>
+        </p:spPr>
+        <p:txBody>
+          <a:bodyPr wrap="square" lIns="0" tIns="36000" rIns="0" bIns="36000" rtlCol="0">
+            <a:spAutoFit/>
+          </a:bodyPr>
+          <a:lstStyle/>
+          <a:p>
+            <a:pPr>
+              <a:lnSpc>
+                <a:spcPct val="90000"/>
+              </a:lnSpc>
+            </a:pPr>
+            <a:r>
+              <a:rPr lang="da-DK" noProof="1">
+                <a:solidFill>
+                  <a:schemeClr val="tx1">
+                    <a:lumMod val="85000"/>
+                    <a:lumOff val="15000"/>
+                  </a:schemeClr>
+                </a:solidFill>
+                <a:latin typeface="Rubik" pitchFamily="2" charset="-79"/>
+                <a:cs typeface="Rubik" pitchFamily="2" charset="-79"/>
+              </a:rPr>
+              <a:t>dawn</a:t>
+            </a:r>
+          </a:p>
+        </p:txBody>
+      </p:sp>
+      <p:sp>
+        <p:nvSpPr>
+          <p:cNvPr id="8" name="Rectangle 7">
+            <a:extLst>
+              <a:ext uri="{FF2B5EF4-FFF2-40B4-BE49-F238E27FC236}">
+                <a16:creationId xmlns:a16="http://schemas.microsoft.com/office/drawing/2014/main" id="{6BA45676-72DB-4DAD-B257-EE7E6F4D58AA}"/>
+              </a:ext>
+            </a:extLst>
+          </p:cNvPr>
+          <p:cNvSpPr/>
+          <p:nvPr/>
+        </p:nvSpPr>
+        <p:spPr>
+          <a:xfrm>
+            <a:off x="0" y="0"/>
+            <a:ext cx="12192000" cy="533400"/>
+          </a:xfrm>
+          <a:prstGeom prst="rect">
+            <a:avLst/>
+          </a:prstGeom>
+          <a:solidFill>
+            <a:srgbClr val="5B48CC"/>
+          </a:solidFill>
+          <a:ln>
+            <a:solidFill>
+              <a:schemeClr val="accent1"/>
+            </a:solidFill>
+          </a:ln>
+          <a:effectLst/>
+        </p:spPr>
+        <p:style>
+          <a:lnRef idx="2">
+            <a:schemeClr val="accent1">
+              <a:shade val="50000"/>
+            </a:schemeClr>
+          </a:lnRef>
+          <a:fillRef idx="1">
+            <a:schemeClr val="accent1"/>
+          </a:fillRef>
+          <a:effectRef idx="0">
+            <a:schemeClr val="accent1"/>
+          </a:effectRef>
+          <a:fontRef idx="minor">
+            <a:schemeClr val="lt1"/>
+          </a:fontRef>
+        </p:style>
+        <p:txBody>
+          <a:bodyPr tIns="36000" bIns="36000" rtlCol="0" anchor="ctr"/>
+          <a:lstStyle/>
+          <a:p>
+            <a:pPr algn="ctr">
+              <a:lnSpc>
+                <a:spcPct val="90000"/>
+              </a:lnSpc>
+            </a:pPr>
+            <a:endParaRPr lang="da-DK" sz="2800" noProof="1"/>
+          </a:p>
+        </p:txBody>
+      </p:sp>
+      <p:pic>
+        <p:nvPicPr>
+          <p:cNvPr id="10" name="Picture 9">
+            <a:extLst>
+              <a:ext uri="{FF2B5EF4-FFF2-40B4-BE49-F238E27FC236}">
+                <a16:creationId xmlns:a16="http://schemas.microsoft.com/office/drawing/2014/main" id="{90E9F408-3903-4B8E-B11B-BD5E3D22CE38}"/>
+              </a:ext>
+            </a:extLst>
+          </p:cNvPr>
+          <p:cNvPicPr>
+            <a:picLocks noChangeAspect="1"/>
+          </p:cNvPicPr>
+          <p:nvPr/>
+        </p:nvPicPr>
+        <p:blipFill>
+          <a:blip r:embed="rId4">
+            <a:lum bright="70000" contrast="-70000"/>
+            <a:extLst>
+              <a:ext uri="{28A0092B-C50C-407E-A947-70E740481C1C}">
+                <a14:useLocalDpi xmlns:a14="http://schemas.microsoft.com/office/drawing/2010/main" val="0"/>
+              </a:ext>
+            </a:extLst>
+          </a:blip>
+          <a:stretch>
+            <a:fillRect/>
+          </a:stretch>
+        </p:blipFill>
+        <p:spPr>
+          <a:xfrm>
+            <a:off x="191344" y="98651"/>
+            <a:ext cx="342900" cy="342900"/>
+          </a:xfrm>
+          <a:prstGeom prst="rect">
+            <a:avLst/>
+          </a:prstGeom>
+        </p:spPr>
+      </p:pic>
+      <p:sp>
+        <p:nvSpPr>
+          <p:cNvPr id="2" name="TextBox 1">
+            <a:extLst>
+              <a:ext uri="{FF2B5EF4-FFF2-40B4-BE49-F238E27FC236}">
+                <a16:creationId xmlns:a16="http://schemas.microsoft.com/office/drawing/2014/main" id="{1231C75D-86A7-4D5B-A350-321C17DAAC9B}"/>
+              </a:ext>
+            </a:extLst>
+          </p:cNvPr>
+          <p:cNvSpPr txBox="1"/>
+          <p:nvPr/>
+        </p:nvSpPr>
+        <p:spPr>
+          <a:xfrm>
+            <a:off x="751474" y="91849"/>
+            <a:ext cx="4392488" cy="349702"/>
+          </a:xfrm>
+          <a:prstGeom prst="rect">
+            <a:avLst/>
+          </a:prstGeom>
+          <a:noFill/>
+        </p:spPr>
+        <p:txBody>
+          <a:bodyPr wrap="square" lIns="0" tIns="36000" rIns="0" bIns="36000" rtlCol="0">
+            <a:spAutoFit/>
+          </a:bodyPr>
+          <a:lstStyle/>
+          <a:p>
+            <a:pPr>
+              <a:lnSpc>
+                <a:spcPct val="90000"/>
+              </a:lnSpc>
+            </a:pPr>
+            <a:r>
+              <a:rPr lang="da-DK" sz="2000" noProof="1">
+                <a:solidFill>
+                  <a:schemeClr val="bg1"/>
+                </a:solidFill>
+                <a:latin typeface="Rubik" pitchFamily="2" charset="-79"/>
+                <a:cs typeface="Rubik" pitchFamily="2" charset="-79"/>
+              </a:rPr>
+              <a:t>Dawn Editor</a:t>
+            </a:r>
+          </a:p>
+        </p:txBody>
+      </p:sp>
+      <p:grpSp>
+        <p:nvGrpSpPr>
+          <p:cNvPr id="44" name="Group 43">
+            <a:extLst>
+              <a:ext uri="{FF2B5EF4-FFF2-40B4-BE49-F238E27FC236}">
+                <a16:creationId xmlns:a16="http://schemas.microsoft.com/office/drawing/2014/main" id="{1D56CB4D-FA13-4075-8F18-E5465291D699}"/>
+              </a:ext>
+            </a:extLst>
+          </p:cNvPr>
+          <p:cNvGrpSpPr/>
+          <p:nvPr/>
+        </p:nvGrpSpPr>
+        <p:grpSpPr>
+          <a:xfrm>
+            <a:off x="10776520" y="540871"/>
+            <a:ext cx="1296144" cy="512203"/>
+            <a:chOff x="10776520" y="540871"/>
+            <a:chExt cx="3672408" cy="512203"/>
+          </a:xfrm>
+        </p:grpSpPr>
+        <p:cxnSp>
+          <p:nvCxnSpPr>
+            <p:cNvPr id="34" name="Straight Connector 33">
+              <a:extLst>
+                <a:ext uri="{FF2B5EF4-FFF2-40B4-BE49-F238E27FC236}">
+                  <a16:creationId xmlns:a16="http://schemas.microsoft.com/office/drawing/2014/main" id="{4D57903C-BE66-490A-B7E3-06B56ABBFEEF}"/>
+                </a:ext>
+              </a:extLst>
+            </p:cNvPr>
+            <p:cNvCxnSpPr>
+              <a:cxnSpLocks/>
+            </p:cNvCxnSpPr>
+            <p:nvPr/>
+          </p:nvCxnSpPr>
+          <p:spPr>
+            <a:xfrm>
+              <a:off x="10776520" y="1049478"/>
+              <a:ext cx="3474364" cy="3596"/>
+            </a:xfrm>
+            <a:prstGeom prst="line">
+              <a:avLst/>
+            </a:prstGeom>
+            <a:ln w="19050"/>
+          </p:spPr>
+          <p:style>
+            <a:lnRef idx="1">
+              <a:schemeClr val="accent1"/>
+            </a:lnRef>
+            <a:fillRef idx="0">
+              <a:schemeClr val="accent1"/>
+            </a:fillRef>
+            <a:effectRef idx="0">
+              <a:schemeClr val="accent1"/>
+            </a:effectRef>
+            <a:fontRef idx="minor">
+              <a:schemeClr val="tx1"/>
+            </a:fontRef>
+          </p:style>
+        </p:cxnSp>
+        <p:sp>
+          <p:nvSpPr>
+            <p:cNvPr id="37" name="TextBox 36">
+              <a:extLst>
+                <a:ext uri="{FF2B5EF4-FFF2-40B4-BE49-F238E27FC236}">
+                  <a16:creationId xmlns:a16="http://schemas.microsoft.com/office/drawing/2014/main" id="{BF286D5B-ED73-4CFF-913A-FF8FE0B28791}"/>
+                </a:ext>
+              </a:extLst>
+            </p:cNvPr>
+            <p:cNvSpPr txBox="1"/>
+            <p:nvPr/>
+          </p:nvSpPr>
+          <p:spPr>
+            <a:xfrm>
+              <a:off x="10918960" y="723263"/>
+              <a:ext cx="3529968" cy="322002"/>
+            </a:xfrm>
+            <a:prstGeom prst="rect">
+              <a:avLst/>
+            </a:prstGeom>
+            <a:noFill/>
+          </p:spPr>
+          <p:txBody>
+            <a:bodyPr wrap="square" lIns="0" tIns="36000" rIns="0" bIns="36000" rtlCol="0">
+              <a:spAutoFit/>
+            </a:bodyPr>
+            <a:lstStyle/>
+            <a:p>
+              <a:pPr>
+                <a:lnSpc>
+                  <a:spcPct val="90000"/>
+                </a:lnSpc>
+              </a:pPr>
+              <a:r>
+                <a:rPr lang="da-DK" noProof="1">
+                  <a:solidFill>
+                    <a:schemeClr val="tx1">
+                      <a:lumMod val="85000"/>
+                      <a:lumOff val="15000"/>
+                    </a:schemeClr>
+                  </a:solidFill>
+                  <a:latin typeface="Rubik" pitchFamily="2" charset="-79"/>
+                  <a:cs typeface="Rubik" pitchFamily="2" charset="-79"/>
+                </a:rPr>
+                <a:t>pure</a:t>
+              </a:r>
+            </a:p>
+          </p:txBody>
+        </p:sp>
+        <p:sp>
+          <p:nvSpPr>
+            <p:cNvPr id="39" name="TextBox 38">
+              <a:extLst>
+                <a:ext uri="{FF2B5EF4-FFF2-40B4-BE49-F238E27FC236}">
+                  <a16:creationId xmlns:a16="http://schemas.microsoft.com/office/drawing/2014/main" id="{E9E4982D-60CF-4485-9291-BA34EE5B9106}"/>
+                </a:ext>
+              </a:extLst>
+            </p:cNvPr>
+            <p:cNvSpPr txBox="1"/>
+            <p:nvPr/>
+          </p:nvSpPr>
+          <p:spPr>
+            <a:xfrm>
+              <a:off x="10785204" y="540871"/>
+              <a:ext cx="2736304" cy="238902"/>
+            </a:xfrm>
+            <a:prstGeom prst="rect">
+              <a:avLst/>
+            </a:prstGeom>
+            <a:noFill/>
+          </p:spPr>
+          <p:txBody>
+            <a:bodyPr wrap="square" lIns="0" tIns="36000" rIns="0" bIns="36000" rtlCol="0">
+              <a:spAutoFit/>
+            </a:bodyPr>
+            <a:lstStyle/>
+            <a:p>
+              <a:pPr>
+                <a:lnSpc>
+                  <a:spcPct val="90000"/>
+                </a:lnSpc>
+              </a:pPr>
+              <a:r>
+                <a:rPr lang="da-DK" sz="1200" noProof="1">
+                  <a:latin typeface="Rubik" pitchFamily="2" charset="-79"/>
+                  <a:cs typeface="Rubik" pitchFamily="2" charset="-79"/>
+                </a:rPr>
+                <a:t>Flavor</a:t>
+              </a:r>
+            </a:p>
+          </p:txBody>
+        </p:sp>
+      </p:grpSp>
+      <p:sp>
+        <p:nvSpPr>
+          <p:cNvPr id="43" name="TextBox 42">
+            <a:extLst>
+              <a:ext uri="{FF2B5EF4-FFF2-40B4-BE49-F238E27FC236}">
+                <a16:creationId xmlns:a16="http://schemas.microsoft.com/office/drawing/2014/main" id="{A693873D-CB0A-48DD-A139-C1B942E2B864}"/>
+              </a:ext>
+            </a:extLst>
+          </p:cNvPr>
+          <p:cNvSpPr txBox="1"/>
+          <p:nvPr/>
+        </p:nvSpPr>
+        <p:spPr>
+          <a:xfrm>
+            <a:off x="695400" y="1585168"/>
+            <a:ext cx="3013574" cy="322002"/>
+          </a:xfrm>
+          <a:prstGeom prst="rect">
+            <a:avLst/>
+          </a:prstGeom>
+          <a:noFill/>
+        </p:spPr>
+        <p:txBody>
+          <a:bodyPr wrap="square" lIns="0" tIns="36000" rIns="0" bIns="36000" rtlCol="0">
+            <a:spAutoFit/>
+          </a:bodyPr>
+          <a:lstStyle/>
+          <a:p>
+            <a:pPr>
+              <a:lnSpc>
+                <a:spcPct val="90000"/>
+              </a:lnSpc>
+            </a:pPr>
+            <a:r>
+              <a:rPr lang="da-DK" noProof="1">
+                <a:solidFill>
+                  <a:schemeClr val="tx1">
+                    <a:lumMod val="85000"/>
+                    <a:lumOff val="15000"/>
+                  </a:schemeClr>
+                </a:solidFill>
+                <a:latin typeface="Rubik" pitchFamily="2" charset="-79"/>
+                <a:cs typeface="Rubik" pitchFamily="2" charset="-79"/>
+              </a:rPr>
+              <a:t>flavors</a:t>
+            </a:r>
+          </a:p>
+        </p:txBody>
+      </p:sp>
+      <p:grpSp>
+        <p:nvGrpSpPr>
+          <p:cNvPr id="45" name="Group 44">
+            <a:extLst>
+              <a:ext uri="{FF2B5EF4-FFF2-40B4-BE49-F238E27FC236}">
+                <a16:creationId xmlns:a16="http://schemas.microsoft.com/office/drawing/2014/main" id="{2A2E2699-11FD-4FE6-969D-42E0507467C7}"/>
+              </a:ext>
+            </a:extLst>
+          </p:cNvPr>
+          <p:cNvGrpSpPr/>
+          <p:nvPr/>
+        </p:nvGrpSpPr>
+        <p:grpSpPr>
+          <a:xfrm>
+            <a:off x="10777963" y="5587336"/>
+            <a:ext cx="3574564" cy="524073"/>
+            <a:chOff x="10776520" y="540871"/>
+            <a:chExt cx="3668348" cy="524073"/>
+          </a:xfrm>
+        </p:grpSpPr>
+        <p:cxnSp>
+          <p:nvCxnSpPr>
+            <p:cNvPr id="46" name="Straight Connector 45">
+              <a:extLst>
+                <a:ext uri="{FF2B5EF4-FFF2-40B4-BE49-F238E27FC236}">
+                  <a16:creationId xmlns:a16="http://schemas.microsoft.com/office/drawing/2014/main" id="{2447C926-2797-4FB2-9639-DB504094840E}"/>
+                </a:ext>
+              </a:extLst>
+            </p:cNvPr>
+            <p:cNvCxnSpPr>
+              <a:cxnSpLocks/>
+            </p:cNvCxnSpPr>
+            <p:nvPr/>
+          </p:nvCxnSpPr>
+          <p:spPr>
+            <a:xfrm>
+              <a:off x="10776520" y="1049478"/>
+              <a:ext cx="1296144" cy="13987"/>
+            </a:xfrm>
+            <a:prstGeom prst="line">
+              <a:avLst/>
+            </a:prstGeom>
+            <a:ln w="19050">
+              <a:solidFill>
+                <a:schemeClr val="tx2"/>
+              </a:solidFill>
+            </a:ln>
+          </p:spPr>
+          <p:style>
+            <a:lnRef idx="1">
+              <a:schemeClr val="accent1"/>
+            </a:lnRef>
+            <a:fillRef idx="0">
+              <a:schemeClr val="accent1"/>
+            </a:fillRef>
+            <a:effectRef idx="0">
+              <a:schemeClr val="accent1"/>
+            </a:effectRef>
+            <a:fontRef idx="minor">
+              <a:schemeClr val="tx1"/>
+            </a:fontRef>
+          </p:style>
+        </p:cxnSp>
+        <p:sp>
+          <p:nvSpPr>
+            <p:cNvPr id="47" name="TextBox 46">
+              <a:extLst>
+                <a:ext uri="{FF2B5EF4-FFF2-40B4-BE49-F238E27FC236}">
+                  <a16:creationId xmlns:a16="http://schemas.microsoft.com/office/drawing/2014/main" id="{A56D2B83-AD57-4C1C-AB94-4607CCA5634A}"/>
+                </a:ext>
+              </a:extLst>
+            </p:cNvPr>
+            <p:cNvSpPr txBox="1"/>
+            <p:nvPr/>
+          </p:nvSpPr>
+          <p:spPr>
+            <a:xfrm>
+              <a:off x="10914900" y="742942"/>
+              <a:ext cx="3529968" cy="322002"/>
+            </a:xfrm>
+            <a:prstGeom prst="rect">
+              <a:avLst/>
+            </a:prstGeom>
+            <a:noFill/>
+          </p:spPr>
+          <p:txBody>
+            <a:bodyPr wrap="square" lIns="0" tIns="36000" rIns="0" bIns="36000" rtlCol="0">
+              <a:spAutoFit/>
+            </a:bodyPr>
+            <a:lstStyle/>
+            <a:p>
+              <a:pPr>
+                <a:lnSpc>
+                  <a:spcPct val="90000"/>
+                </a:lnSpc>
+              </a:pPr>
+              <a:r>
+                <a:rPr lang="da-DK" noProof="1">
+                  <a:solidFill>
+                    <a:schemeClr val="tx1">
+                      <a:lumMod val="85000"/>
+                      <a:lumOff val="15000"/>
+                    </a:schemeClr>
+                  </a:solidFill>
+                  <a:latin typeface="Rubik" pitchFamily="2" charset="-79"/>
+                  <a:cs typeface="Rubik" pitchFamily="2" charset="-79"/>
+                </a:rPr>
+                <a:t>pure</a:t>
+              </a:r>
+            </a:p>
+          </p:txBody>
+        </p:sp>
+        <p:sp>
+          <p:nvSpPr>
+            <p:cNvPr id="48" name="TextBox 47">
+              <a:extLst>
+                <a:ext uri="{FF2B5EF4-FFF2-40B4-BE49-F238E27FC236}">
+                  <a16:creationId xmlns:a16="http://schemas.microsoft.com/office/drawing/2014/main" id="{09703BBD-2BFC-4EB9-AE92-2F696902005C}"/>
+                </a:ext>
+              </a:extLst>
+            </p:cNvPr>
+            <p:cNvSpPr txBox="1"/>
+            <p:nvPr/>
+          </p:nvSpPr>
+          <p:spPr>
+            <a:xfrm>
+              <a:off x="10785204" y="540871"/>
+              <a:ext cx="2736304" cy="238902"/>
+            </a:xfrm>
+            <a:prstGeom prst="rect">
+              <a:avLst/>
+            </a:prstGeom>
+            <a:noFill/>
+          </p:spPr>
+          <p:txBody>
+            <a:bodyPr wrap="square" lIns="0" tIns="36000" rIns="0" bIns="36000" rtlCol="0">
+              <a:spAutoFit/>
+            </a:bodyPr>
+            <a:lstStyle/>
+            <a:p>
+              <a:pPr>
+                <a:lnSpc>
+                  <a:spcPct val="90000"/>
+                </a:lnSpc>
+              </a:pPr>
+              <a:r>
+                <a:rPr lang="da-DK" sz="1200" noProof="1">
+                  <a:latin typeface="Rubik" pitchFamily="2" charset="-79"/>
+                  <a:cs typeface="Rubik" pitchFamily="2" charset="-79"/>
+                </a:rPr>
+                <a:t>Flavor</a:t>
+              </a:r>
+            </a:p>
+          </p:txBody>
+        </p:sp>
+        <p:pic>
+          <p:nvPicPr>
+            <p:cNvPr id="49" name="Picture 48">
+              <a:extLst>
+                <a:ext uri="{FF2B5EF4-FFF2-40B4-BE49-F238E27FC236}">
+                  <a16:creationId xmlns:a16="http://schemas.microsoft.com/office/drawing/2014/main" id="{4F562DA6-5544-4B28-9111-B232523ABCA1}"/>
+                </a:ext>
+              </a:extLst>
+            </p:cNvPr>
+            <p:cNvPicPr>
+              <a:picLocks noChangeAspect="1"/>
+            </p:cNvPicPr>
+            <p:nvPr/>
+          </p:nvPicPr>
+          <p:blipFill>
+            <a:blip r:embed="rId5">
+              <a:extLst>
+                <a:ext uri="{28A0092B-C50C-407E-A947-70E740481C1C}">
+                  <a14:useLocalDpi xmlns:a14="http://schemas.microsoft.com/office/drawing/2010/main" val="0"/>
+                </a:ext>
+              </a:extLst>
+            </a:blip>
+            <a:stretch>
+              <a:fillRect/>
+            </a:stretch>
+          </p:blipFill>
+          <p:spPr>
+            <a:xfrm>
+              <a:off x="11778255" y="696187"/>
+              <a:ext cx="342900" cy="342900"/>
+            </a:xfrm>
+            <a:prstGeom prst="rect">
+              <a:avLst/>
+            </a:prstGeom>
+          </p:spPr>
+        </p:pic>
+      </p:grpSp>
+      <p:sp>
+        <p:nvSpPr>
+          <p:cNvPr id="11" name="Oval 10">
+            <a:extLst>
+              <a:ext uri="{FF2B5EF4-FFF2-40B4-BE49-F238E27FC236}">
+                <a16:creationId xmlns:a16="http://schemas.microsoft.com/office/drawing/2014/main" id="{1AAC2705-74C8-47D4-98C5-D23129BB7522}"/>
+              </a:ext>
+            </a:extLst>
+          </p:cNvPr>
+          <p:cNvSpPr/>
+          <p:nvPr/>
+        </p:nvSpPr>
+        <p:spPr>
+          <a:xfrm>
+            <a:off x="11361015" y="4864894"/>
+            <a:ext cx="554462" cy="533400"/>
+          </a:xfrm>
+          <a:prstGeom prst="ellipse">
+            <a:avLst/>
+          </a:prstGeom>
+          <a:solidFill>
+            <a:srgbClr val="6200EE"/>
+          </a:solidFill>
+          <a:ln>
+            <a:solidFill>
+              <a:schemeClr val="accent1"/>
+            </a:solidFill>
+          </a:ln>
+        </p:spPr>
+        <p:style>
+          <a:lnRef idx="2">
+            <a:schemeClr val="accent1">
+              <a:shade val="50000"/>
+            </a:schemeClr>
+          </a:lnRef>
+          <a:fillRef idx="1">
+            <a:schemeClr val="accent1"/>
+          </a:fillRef>
+          <a:effectRef idx="0">
+            <a:schemeClr val="accent1"/>
+          </a:effectRef>
+          <a:fontRef idx="minor">
+            <a:schemeClr val="lt1"/>
+          </a:fontRef>
+        </p:style>
+        <p:txBody>
+          <a:bodyPr tIns="36000" bIns="36000" rtlCol="0" anchor="ctr"/>
+          <a:lstStyle/>
+          <a:p>
+            <a:pPr algn="ctr">
+              <a:lnSpc>
+                <a:spcPct val="90000"/>
+              </a:lnSpc>
+            </a:pPr>
+            <a:endParaRPr lang="da-DK" sz="2800" noProof="1"/>
+          </a:p>
+        </p:txBody>
+      </p:sp>
+      <p:pic>
+        <p:nvPicPr>
+          <p:cNvPr id="25" name="Picture 24">
+            <a:extLst>
+              <a:ext uri="{FF2B5EF4-FFF2-40B4-BE49-F238E27FC236}">
+                <a16:creationId xmlns:a16="http://schemas.microsoft.com/office/drawing/2014/main" id="{439D7E64-70C8-48E9-A536-3A12B5D003D8}"/>
+              </a:ext>
+            </a:extLst>
+          </p:cNvPr>
+          <p:cNvPicPr>
+            <a:picLocks noChangeAspect="1"/>
+          </p:cNvPicPr>
+          <p:nvPr/>
+        </p:nvPicPr>
+        <p:blipFill>
+          <a:blip r:embed="rId6" cstate="screen">
+            <a:extLst>
+              <a:ext uri="{28A0092B-C50C-407E-A947-70E740481C1C}">
+                <a14:useLocalDpi xmlns:a14="http://schemas.microsoft.com/office/drawing/2010/main" val="0"/>
+              </a:ext>
+            </a:extLst>
+          </a:blip>
+          <a:stretch>
+            <a:fillRect/>
+          </a:stretch>
+        </p:blipFill>
+        <p:spPr>
+          <a:xfrm>
+            <a:off x="11411862" y="4911690"/>
+            <a:ext cx="452767" cy="452767"/>
+          </a:xfrm>
+          <a:prstGeom prst="rect">
+            <a:avLst/>
+          </a:prstGeom>
+        </p:spPr>
+      </p:pic>
+      <p:sp>
+        <p:nvSpPr>
+          <p:cNvPr id="50" name="Rectangle 49">
+            <a:extLst>
+              <a:ext uri="{FF2B5EF4-FFF2-40B4-BE49-F238E27FC236}">
+                <a16:creationId xmlns:a16="http://schemas.microsoft.com/office/drawing/2014/main" id="{BDE6216B-0551-46A4-B367-63F7CF783071}"/>
+              </a:ext>
+            </a:extLst>
+          </p:cNvPr>
+          <p:cNvSpPr/>
+          <p:nvPr/>
+        </p:nvSpPr>
+        <p:spPr>
+          <a:xfrm>
+            <a:off x="97934" y="5706787"/>
+            <a:ext cx="1029514" cy="322002"/>
+          </a:xfrm>
+          <a:prstGeom prst="rect">
+            <a:avLst/>
+          </a:prstGeom>
+          <a:noFill/>
+          <a:ln>
+            <a:noFill/>
+          </a:ln>
+        </p:spPr>
+        <p:style>
+          <a:lnRef idx="2">
+            <a:schemeClr val="accent1">
+              <a:shade val="50000"/>
+            </a:schemeClr>
+          </a:lnRef>
+          <a:fillRef idx="1">
+            <a:schemeClr val="accent1"/>
+          </a:fillRef>
+          <a:effectRef idx="0">
+            <a:schemeClr val="accent1"/>
+          </a:effectRef>
+          <a:fontRef idx="minor">
+            <a:schemeClr val="lt1"/>
+          </a:fontRef>
+        </p:style>
+        <p:txBody>
+          <a:bodyPr tIns="36000" bIns="36000" rtlCol="0" anchor="ctr"/>
+          <a:lstStyle/>
+          <a:p>
+            <a:pPr>
+              <a:lnSpc>
+                <a:spcPct val="90000"/>
+              </a:lnSpc>
+            </a:pPr>
+            <a:r>
+              <a:rPr lang="da-DK" sz="1600" noProof="1">
+                <a:solidFill>
+                  <a:schemeClr val="tx1"/>
+                </a:solidFill>
+                <a:latin typeface="Rubik" pitchFamily="2" charset="-79"/>
+                <a:cs typeface="Rubik" pitchFamily="2" charset="-79"/>
+              </a:rPr>
+              <a:t>console</a:t>
+            </a:r>
+          </a:p>
+        </p:txBody>
+      </p:sp>
+      <p:cxnSp>
+        <p:nvCxnSpPr>
+          <p:cNvPr id="51" name="Straight Connector 50">
+            <a:extLst>
+              <a:ext uri="{FF2B5EF4-FFF2-40B4-BE49-F238E27FC236}">
+                <a16:creationId xmlns:a16="http://schemas.microsoft.com/office/drawing/2014/main" id="{4F11B9EF-742D-4834-B60E-4EB295B1D19B}"/>
+              </a:ext>
+            </a:extLst>
+          </p:cNvPr>
+          <p:cNvCxnSpPr>
+            <a:cxnSpLocks/>
+          </p:cNvCxnSpPr>
+          <p:nvPr/>
+        </p:nvCxnSpPr>
+        <p:spPr>
+          <a:xfrm>
+            <a:off x="124504" y="6095944"/>
+            <a:ext cx="930936" cy="0"/>
+          </a:xfrm>
+          <a:prstGeom prst="line">
+            <a:avLst/>
+          </a:prstGeom>
+          <a:ln w="19050">
+            <a:solidFill>
+              <a:schemeClr val="tx2">
+                <a:lumMod val="75000"/>
+              </a:schemeClr>
+            </a:solidFill>
+          </a:ln>
+        </p:spPr>
+        <p:style>
+          <a:lnRef idx="1">
+            <a:schemeClr val="accent1"/>
+          </a:lnRef>
+          <a:fillRef idx="0">
+            <a:schemeClr val="accent1"/>
+          </a:fillRef>
+          <a:effectRef idx="0">
+            <a:schemeClr val="accent1"/>
+          </a:effectRef>
+          <a:fontRef idx="minor">
+            <a:schemeClr val="tx1"/>
+          </a:fontRef>
+        </p:style>
+      </p:cxnSp>
+      <p:pic>
+        <p:nvPicPr>
+          <p:cNvPr id="52" name="Picture 51">
+            <a:extLst>
+              <a:ext uri="{FF2B5EF4-FFF2-40B4-BE49-F238E27FC236}">
+                <a16:creationId xmlns:a16="http://schemas.microsoft.com/office/drawing/2014/main" id="{4C04D63C-5641-44F9-A5F5-348669D07CE5}"/>
+              </a:ext>
+            </a:extLst>
+          </p:cNvPr>
+          <p:cNvPicPr>
+            <a:picLocks noChangeAspect="1"/>
+          </p:cNvPicPr>
+          <p:nvPr/>
+        </p:nvPicPr>
+        <p:blipFill>
+          <a:blip r:embed="rId5">
+            <a:extLst>
+              <a:ext uri="{28A0092B-C50C-407E-A947-70E740481C1C}">
+                <a14:useLocalDpi xmlns:a14="http://schemas.microsoft.com/office/drawing/2010/main" val="0"/>
+              </a:ext>
+            </a:extLst>
+          </a:blip>
+          <a:stretch>
+            <a:fillRect/>
+          </a:stretch>
+        </p:blipFill>
+        <p:spPr>
+          <a:xfrm>
+            <a:off x="11717545" y="659442"/>
+            <a:ext cx="334134" cy="342900"/>
+          </a:xfrm>
+          <a:prstGeom prst="rect">
+            <a:avLst/>
+          </a:prstGeom>
+        </p:spPr>
+      </p:pic>
+      <p:pic>
+        <p:nvPicPr>
+          <p:cNvPr id="18" name="Picture 17">
+            <a:extLst>
+              <a:ext uri="{FF2B5EF4-FFF2-40B4-BE49-F238E27FC236}">
+                <a16:creationId xmlns:a16="http://schemas.microsoft.com/office/drawing/2014/main" id="{2F2B5769-9E4A-4C1F-8CD6-F1D1C8E62C24}"/>
+              </a:ext>
+            </a:extLst>
+          </p:cNvPr>
+          <p:cNvPicPr>
+            <a:picLocks noChangeAspect="1"/>
+          </p:cNvPicPr>
+          <p:nvPr/>
+        </p:nvPicPr>
+        <p:blipFill>
+          <a:blip r:embed="rId7" cstate="screen">
+            <a:extLst>
+              <a:ext uri="{28A0092B-C50C-407E-A947-70E740481C1C}">
+                <a14:useLocalDpi xmlns:a14="http://schemas.microsoft.com/office/drawing/2010/main" val="0"/>
+              </a:ext>
+            </a:extLst>
+          </a:blip>
+          <a:stretch>
+            <a:fillRect/>
+          </a:stretch>
+        </p:blipFill>
+        <p:spPr>
+          <a:xfrm>
+            <a:off x="11530275" y="5031837"/>
+            <a:ext cx="228754" cy="228754"/>
+          </a:xfrm>
+          <a:prstGeom prst="rect">
+            <a:avLst/>
+          </a:prstGeom>
+        </p:spPr>
+      </p:pic>
+      <p:pic>
+        <p:nvPicPr>
+          <p:cNvPr id="26" name="Picture 25">
+            <a:extLst>
+              <a:ext uri="{FF2B5EF4-FFF2-40B4-BE49-F238E27FC236}">
+                <a16:creationId xmlns:a16="http://schemas.microsoft.com/office/drawing/2014/main" id="{CD0C8063-914B-4136-BB34-32A05EF17A5D}"/>
+              </a:ext>
+            </a:extLst>
+          </p:cNvPr>
+          <p:cNvPicPr>
+            <a:picLocks noChangeAspect="1"/>
+          </p:cNvPicPr>
+          <p:nvPr/>
+        </p:nvPicPr>
+        <p:blipFill>
+          <a:blip r:embed="rId8" cstate="screen">
+            <a:extLst>
+              <a:ext uri="{28A0092B-C50C-407E-A947-70E740481C1C}">
+                <a14:useLocalDpi xmlns:a14="http://schemas.microsoft.com/office/drawing/2010/main" val="0"/>
+              </a:ext>
+            </a:extLst>
+          </a:blip>
+          <a:stretch>
+            <a:fillRect/>
+          </a:stretch>
+        </p:blipFill>
+        <p:spPr>
+          <a:xfrm>
+            <a:off x="3435013" y="2779788"/>
+            <a:ext cx="228600" cy="228600"/>
+          </a:xfrm>
+          <a:prstGeom prst="rect">
+            <a:avLst/>
+          </a:prstGeom>
+        </p:spPr>
+      </p:pic>
+      <p:pic>
+        <p:nvPicPr>
+          <p:cNvPr id="53" name="Picture 52">
+            <a:extLst>
+              <a:ext uri="{FF2B5EF4-FFF2-40B4-BE49-F238E27FC236}">
+                <a16:creationId xmlns:a16="http://schemas.microsoft.com/office/drawing/2014/main" id="{85FD163A-54B6-4DFF-9075-0A8FE4AA4144}"/>
+              </a:ext>
+            </a:extLst>
+          </p:cNvPr>
+          <p:cNvPicPr>
+            <a:picLocks noChangeAspect="1"/>
+          </p:cNvPicPr>
+          <p:nvPr/>
+        </p:nvPicPr>
+        <p:blipFill>
+          <a:blip r:embed="rId8" cstate="screen">
+            <a:extLst>
+              <a:ext uri="{28A0092B-C50C-407E-A947-70E740481C1C}">
+                <a14:useLocalDpi xmlns:a14="http://schemas.microsoft.com/office/drawing/2010/main" val="0"/>
+              </a:ext>
+            </a:extLst>
+          </a:blip>
+          <a:stretch>
+            <a:fillRect/>
+          </a:stretch>
+        </p:blipFill>
+        <p:spPr>
+          <a:xfrm>
+            <a:off x="3436554" y="2399258"/>
+            <a:ext cx="228600" cy="228600"/>
+          </a:xfrm>
+          <a:prstGeom prst="rect">
+            <a:avLst/>
+          </a:prstGeom>
+        </p:spPr>
+      </p:pic>
+      <p:pic>
+        <p:nvPicPr>
+          <p:cNvPr id="54" name="Picture 53">
+            <a:extLst>
+              <a:ext uri="{FF2B5EF4-FFF2-40B4-BE49-F238E27FC236}">
+                <a16:creationId xmlns:a16="http://schemas.microsoft.com/office/drawing/2014/main" id="{C207AA48-8392-470F-A367-2D0115D361A1}"/>
+              </a:ext>
+            </a:extLst>
+          </p:cNvPr>
+          <p:cNvPicPr>
+            <a:picLocks noChangeAspect="1"/>
+          </p:cNvPicPr>
+          <p:nvPr/>
+        </p:nvPicPr>
+        <p:blipFill>
+          <a:blip r:embed="rId8" cstate="screen">
+            <a:extLst>
+              <a:ext uri="{28A0092B-C50C-407E-A947-70E740481C1C}">
+                <a14:useLocalDpi xmlns:a14="http://schemas.microsoft.com/office/drawing/2010/main" val="0"/>
+              </a:ext>
+            </a:extLst>
+          </a:blip>
+          <a:stretch>
+            <a:fillRect/>
+          </a:stretch>
+        </p:blipFill>
+        <p:spPr>
+          <a:xfrm>
+            <a:off x="3435013" y="2029324"/>
+            <a:ext cx="228600" cy="228600"/>
+          </a:xfrm>
+          <a:prstGeom prst="rect">
+            <a:avLst/>
+          </a:prstGeom>
+        </p:spPr>
+      </p:pic>
+      <p:pic>
+        <p:nvPicPr>
+          <p:cNvPr id="28" name="Picture 27">
+            <a:extLst>
+              <a:ext uri="{FF2B5EF4-FFF2-40B4-BE49-F238E27FC236}">
+                <a16:creationId xmlns:a16="http://schemas.microsoft.com/office/drawing/2014/main" id="{610EAC83-E028-4BC3-ACB3-5080B63C4FC9}"/>
+              </a:ext>
+            </a:extLst>
+          </p:cNvPr>
+          <p:cNvPicPr>
+            <a:picLocks noChangeAspect="1"/>
+          </p:cNvPicPr>
+          <p:nvPr/>
+        </p:nvPicPr>
+        <p:blipFill>
+          <a:blip r:embed="rId9">
+            <a:extLst>
+              <a:ext uri="{28A0092B-C50C-407E-A947-70E740481C1C}">
+                <a14:useLocalDpi xmlns:a14="http://schemas.microsoft.com/office/drawing/2010/main" val="0"/>
+              </a:ext>
+            </a:extLst>
+          </a:blip>
+          <a:stretch>
+            <a:fillRect/>
+          </a:stretch>
+        </p:blipFill>
+        <p:spPr>
+          <a:xfrm>
+            <a:off x="254704" y="3095856"/>
+            <a:ext cx="342900" cy="342900"/>
+          </a:xfrm>
+          <a:prstGeom prst="rect">
+            <a:avLst/>
+          </a:prstGeom>
+        </p:spPr>
+      </p:pic>
+      <p:sp>
+        <p:nvSpPr>
+          <p:cNvPr id="55" name="TextBox 54">
+            <a:extLst>
+              <a:ext uri="{FF2B5EF4-FFF2-40B4-BE49-F238E27FC236}">
+                <a16:creationId xmlns:a16="http://schemas.microsoft.com/office/drawing/2014/main" id="{FEAFA886-62B0-403F-BEA0-64BCB3A3C960}"/>
+              </a:ext>
+            </a:extLst>
+          </p:cNvPr>
+          <p:cNvSpPr txBox="1"/>
+          <p:nvPr/>
+        </p:nvSpPr>
+        <p:spPr>
+          <a:xfrm>
+            <a:off x="690049" y="3103039"/>
+            <a:ext cx="2950201" cy="322002"/>
+          </a:xfrm>
+          <a:prstGeom prst="rect">
+            <a:avLst/>
+          </a:prstGeom>
+          <a:noFill/>
+          <a:effectLst/>
+        </p:spPr>
+        <p:txBody>
+          <a:bodyPr wrap="square" lIns="0" tIns="36000" rIns="0" bIns="36000" rtlCol="0">
+            <a:spAutoFit/>
+          </a:bodyPr>
+          <a:lstStyle/>
+          <a:p>
+            <a:pPr>
+              <a:lnSpc>
+                <a:spcPct val="90000"/>
+              </a:lnSpc>
+            </a:pPr>
+            <a:r>
+              <a:rPr lang="da-DK" noProof="1">
+                <a:solidFill>
+                  <a:schemeClr val="tx1">
+                    <a:lumMod val="85000"/>
+                    <a:lumOff val="15000"/>
+                  </a:schemeClr>
+                </a:solidFill>
+                <a:latin typeface="Rubik" pitchFamily="2" charset="-79"/>
+                <a:cs typeface="Rubik" pitchFamily="2" charset="-79"/>
+              </a:rPr>
+              <a:t>index</a:t>
+            </a:r>
+          </a:p>
+        </p:txBody>
+      </p:sp>
+      <p:pic>
+        <p:nvPicPr>
+          <p:cNvPr id="30" name="Picture 29">
+            <a:extLst>
+              <a:ext uri="{FF2B5EF4-FFF2-40B4-BE49-F238E27FC236}">
+                <a16:creationId xmlns:a16="http://schemas.microsoft.com/office/drawing/2014/main" id="{9121EBB7-9C83-4E25-9624-19FA6334C02B}"/>
+              </a:ext>
+            </a:extLst>
+          </p:cNvPr>
+          <p:cNvPicPr>
+            <a:picLocks noChangeAspect="1"/>
+          </p:cNvPicPr>
+          <p:nvPr/>
+        </p:nvPicPr>
+        <p:blipFill>
+          <a:blip r:embed="rId10" cstate="screen">
+            <a:extLst>
+              <a:ext uri="{28A0092B-C50C-407E-A947-70E740481C1C}">
+                <a14:useLocalDpi xmlns:a14="http://schemas.microsoft.com/office/drawing/2010/main" val="0"/>
+              </a:ext>
+            </a:extLst>
+          </a:blip>
+          <a:stretch>
+            <a:fillRect/>
+          </a:stretch>
+        </p:blipFill>
+        <p:spPr>
+          <a:xfrm>
+            <a:off x="3433874" y="3103492"/>
+            <a:ext cx="244841" cy="244841"/>
+          </a:xfrm>
+          <a:prstGeom prst="rect">
+            <a:avLst/>
+          </a:prstGeom>
+        </p:spPr>
+      </p:pic>
+      <p:sp>
+        <p:nvSpPr>
+          <p:cNvPr id="63" name="Rectangle 62">
+            <a:extLst>
+              <a:ext uri="{FF2B5EF4-FFF2-40B4-BE49-F238E27FC236}">
+                <a16:creationId xmlns:a16="http://schemas.microsoft.com/office/drawing/2014/main" id="{AAF8B418-95AE-4804-99AC-92C7A5C01CF4}"/>
+              </a:ext>
+            </a:extLst>
+          </p:cNvPr>
+          <p:cNvSpPr/>
+          <p:nvPr/>
+        </p:nvSpPr>
+        <p:spPr>
+          <a:xfrm>
+            <a:off x="75214" y="6181189"/>
+            <a:ext cx="1916330" cy="322002"/>
+          </a:xfrm>
+          <a:prstGeom prst="rect">
+            <a:avLst/>
+          </a:prstGeom>
+          <a:noFill/>
+          <a:ln>
+            <a:noFill/>
+          </a:ln>
+        </p:spPr>
+        <p:style>
+          <a:lnRef idx="2">
+            <a:schemeClr val="accent1">
+              <a:shade val="50000"/>
+            </a:schemeClr>
+          </a:lnRef>
+          <a:fillRef idx="1">
+            <a:schemeClr val="accent1"/>
+          </a:fillRef>
+          <a:effectRef idx="0">
+            <a:schemeClr val="accent1"/>
+          </a:effectRef>
+          <a:fontRef idx="minor">
+            <a:schemeClr val="lt1"/>
+          </a:fontRef>
+        </p:style>
+        <p:txBody>
+          <a:bodyPr tIns="36000" bIns="36000" rtlCol="0" anchor="ctr"/>
+          <a:lstStyle/>
+          <a:p>
+            <a:pPr>
+              <a:lnSpc>
+                <a:spcPct val="90000"/>
+              </a:lnSpc>
+            </a:pPr>
+            <a:r>
+              <a:rPr lang="da-DK" sz="1200" noProof="1">
+                <a:solidFill>
+                  <a:schemeClr val="bg1"/>
+                </a:solidFill>
+                <a:latin typeface="Consolas" panose="020B0609020204030204" pitchFamily="49" charset="0"/>
+                <a:cs typeface="Rubik" pitchFamily="2" charset="-79"/>
+              </a:rPr>
+              <a:t>localstorage:/&gt; _</a:t>
+            </a:r>
+          </a:p>
+        </p:txBody>
+      </p:sp>
+      <p:sp>
+        <p:nvSpPr>
+          <p:cNvPr id="56" name="Rectangle: Rounded Corners 55">
+            <a:extLst>
+              <a:ext uri="{FF2B5EF4-FFF2-40B4-BE49-F238E27FC236}">
+                <a16:creationId xmlns:a16="http://schemas.microsoft.com/office/drawing/2014/main" id="{2EFD2B5D-A1E4-B136-6E1E-2C934EB59232}"/>
+              </a:ext>
+            </a:extLst>
+          </p:cNvPr>
+          <p:cNvSpPr/>
+          <p:nvPr/>
+        </p:nvSpPr>
+        <p:spPr>
+          <a:xfrm>
+            <a:off x="4563938" y="692696"/>
+            <a:ext cx="648072" cy="431636"/>
+          </a:xfrm>
+          <a:prstGeom prst="roundRect">
+            <a:avLst/>
+          </a:prstGeom>
+          <a:solidFill>
+            <a:srgbClr val="F2F2F2"/>
+          </a:solidFill>
+          <a:ln>
+            <a:noFill/>
+          </a:ln>
+          <a:effectLst>
+            <a:outerShdw blurRad="50800" dist="38100" dir="5400000" algn="t" rotWithShape="0">
+              <a:prstClr val="black">
+                <a:alpha val="40000"/>
+              </a:prstClr>
+            </a:outerShdw>
+          </a:effectLst>
+        </p:spPr>
+        <p:style>
+          <a:lnRef idx="2">
+            <a:schemeClr val="accent1">
+              <a:shade val="50000"/>
+            </a:schemeClr>
+          </a:lnRef>
+          <a:fillRef idx="1">
+            <a:schemeClr val="accent1"/>
+          </a:fillRef>
+          <a:effectRef idx="0">
+            <a:schemeClr val="accent1"/>
+          </a:effectRef>
+          <a:fontRef idx="minor">
+            <a:schemeClr val="lt1"/>
+          </a:fontRef>
+        </p:style>
+        <p:txBody>
+          <a:bodyPr tIns="36000" bIns="36000" rtlCol="0" anchor="ctr"/>
+          <a:lstStyle/>
+          <a:p>
+            <a:pPr algn="ctr">
+              <a:lnSpc>
+                <a:spcPct val="90000"/>
+              </a:lnSpc>
+            </a:pPr>
+            <a:endParaRPr lang="en-US" sz="2800" dirty="0" err="1">
+              <a:solidFill>
+                <a:srgbClr val="F2F2F2"/>
+              </a:solidFill>
+            </a:endParaRPr>
+          </a:p>
+        </p:txBody>
+      </p:sp>
+      <p:grpSp>
+        <p:nvGrpSpPr>
+          <p:cNvPr id="57" name="Group 56">
+            <a:extLst>
+              <a:ext uri="{FF2B5EF4-FFF2-40B4-BE49-F238E27FC236}">
+                <a16:creationId xmlns:a16="http://schemas.microsoft.com/office/drawing/2014/main" id="{6BDB7B6B-3BE4-9173-51EB-93961DD63D99}"/>
+              </a:ext>
+            </a:extLst>
+          </p:cNvPr>
+          <p:cNvGrpSpPr/>
+          <p:nvPr/>
+        </p:nvGrpSpPr>
+        <p:grpSpPr>
+          <a:xfrm>
+            <a:off x="4567839" y="693108"/>
+            <a:ext cx="648072" cy="431636"/>
+            <a:chOff x="3858989" y="707430"/>
+            <a:chExt cx="648072" cy="431636"/>
+          </a:xfrm>
+        </p:grpSpPr>
+        <p:sp>
+          <p:nvSpPr>
+            <p:cNvPr id="58" name="Rectangle: Rounded Corners 57">
+              <a:extLst>
+                <a:ext uri="{FF2B5EF4-FFF2-40B4-BE49-F238E27FC236}">
+                  <a16:creationId xmlns:a16="http://schemas.microsoft.com/office/drawing/2014/main" id="{FE2BB7D5-13B6-A8B2-61CC-BFBE2781276B}"/>
+                </a:ext>
+              </a:extLst>
+            </p:cNvPr>
+            <p:cNvSpPr/>
+            <p:nvPr/>
+          </p:nvSpPr>
+          <p:spPr>
+            <a:xfrm>
+              <a:off x="3858989" y="707430"/>
+              <a:ext cx="648072" cy="431636"/>
+            </a:xfrm>
+            <a:prstGeom prst="roundRect">
+              <a:avLst/>
+            </a:prstGeom>
+            <a:solidFill>
+              <a:srgbClr val="F2F2F2"/>
+            </a:solidFill>
+            <a:ln>
+              <a:noFill/>
+            </a:ln>
+            <a:effectLst>
+              <a:innerShdw blurRad="63500" dist="12700" dir="15900000">
+                <a:schemeClr val="bg1">
+                  <a:alpha val="86000"/>
+                </a:schemeClr>
+              </a:innerShdw>
+            </a:effectLst>
+          </p:spPr>
+          <p:style>
+            <a:lnRef idx="2">
+              <a:schemeClr val="accent1">
+                <a:shade val="50000"/>
+              </a:schemeClr>
+            </a:lnRef>
+            <a:fillRef idx="1">
+              <a:schemeClr val="accent1"/>
+            </a:fillRef>
+            <a:effectRef idx="0">
+              <a:schemeClr val="accent1"/>
+            </a:effectRef>
+            <a:fontRef idx="minor">
+              <a:schemeClr val="lt1"/>
+            </a:fontRef>
+          </p:style>
+          <p:txBody>
+            <a:bodyPr tIns="36000" bIns="36000" rtlCol="0" anchor="ctr"/>
+            <a:lstStyle/>
+            <a:p>
+              <a:pPr algn="ctr">
+                <a:lnSpc>
+                  <a:spcPct val="90000"/>
+                </a:lnSpc>
+              </a:pPr>
+              <a:endParaRPr lang="en-US" sz="2800" dirty="0" err="1">
+                <a:solidFill>
+                  <a:srgbClr val="F2F2F2"/>
+                </a:solidFill>
+              </a:endParaRPr>
+            </a:p>
+          </p:txBody>
+        </p:sp>
+        <p:sp>
+          <p:nvSpPr>
+            <p:cNvPr id="59" name="Rectangle 58">
+              <a:extLst>
+                <a:ext uri="{FF2B5EF4-FFF2-40B4-BE49-F238E27FC236}">
+                  <a16:creationId xmlns:a16="http://schemas.microsoft.com/office/drawing/2014/main" id="{77876E19-80DB-9B08-3D17-00D9403D3249}"/>
+                </a:ext>
+              </a:extLst>
+            </p:cNvPr>
+            <p:cNvSpPr/>
+            <p:nvPr/>
+          </p:nvSpPr>
+          <p:spPr>
+            <a:xfrm>
+              <a:off x="3913265" y="745652"/>
+              <a:ext cx="528408" cy="322002"/>
+            </a:xfrm>
+            <a:prstGeom prst="rect">
+              <a:avLst/>
+            </a:prstGeom>
+            <a:noFill/>
+            <a:ln>
+              <a:noFill/>
+            </a:ln>
+          </p:spPr>
+          <p:style>
+            <a:lnRef idx="2">
+              <a:schemeClr val="accent1">
+                <a:shade val="50000"/>
+              </a:schemeClr>
+            </a:lnRef>
+            <a:fillRef idx="1">
+              <a:schemeClr val="accent1"/>
+            </a:fillRef>
+            <a:effectRef idx="0">
+              <a:schemeClr val="accent1"/>
+            </a:effectRef>
+            <a:fontRef idx="minor">
+              <a:schemeClr val="lt1"/>
+            </a:fontRef>
+          </p:style>
+          <p:txBody>
+            <a:bodyPr tIns="36000" bIns="36000" rtlCol="0" anchor="ctr"/>
+            <a:lstStyle/>
+            <a:p>
+              <a:pPr>
+                <a:lnSpc>
+                  <a:spcPct val="90000"/>
+                </a:lnSpc>
+              </a:pPr>
+              <a:r>
+                <a:rPr lang="da-DK" sz="1600" noProof="1">
+                  <a:solidFill>
+                    <a:schemeClr val="tx1"/>
+                  </a:solidFill>
+                  <a:latin typeface="Rubik" pitchFamily="2" charset="-79"/>
+                  <a:cs typeface="Rubik" pitchFamily="2" charset="-79"/>
+                </a:rPr>
+                <a:t>sub</a:t>
+              </a:r>
+            </a:p>
+          </p:txBody>
+        </p:sp>
+      </p:grpSp>
+      <p:sp>
+        <p:nvSpPr>
+          <p:cNvPr id="13" name="Rectangle 12">
+            <a:extLst>
+              <a:ext uri="{FF2B5EF4-FFF2-40B4-BE49-F238E27FC236}">
+                <a16:creationId xmlns:a16="http://schemas.microsoft.com/office/drawing/2014/main" id="{8E786EE1-AE08-427A-A82A-EEA5010A40E0}"/>
+              </a:ext>
+            </a:extLst>
+          </p:cNvPr>
+          <p:cNvSpPr/>
+          <p:nvPr/>
+        </p:nvSpPr>
+        <p:spPr>
+          <a:xfrm>
+            <a:off x="3802112" y="1066723"/>
+            <a:ext cx="8400256" cy="4520219"/>
+          </a:xfrm>
+          <a:prstGeom prst="rect">
+            <a:avLst/>
+          </a:prstGeom>
+          <a:solidFill>
+            <a:schemeClr val="bg1">
+              <a:lumMod val="95000"/>
+            </a:schemeClr>
+          </a:solidFill>
+          <a:ln>
+            <a:noFill/>
+          </a:ln>
+          <a:effectLst>
+            <a:outerShdw blurRad="38100" dist="12700" dir="16200000" rotWithShape="0">
+              <a:prstClr val="black">
+                <a:alpha val="40000"/>
+              </a:prstClr>
+            </a:outerShdw>
+          </a:effectLst>
+        </p:spPr>
+        <p:style>
+          <a:lnRef idx="2">
+            <a:schemeClr val="accent1">
+              <a:shade val="50000"/>
+            </a:schemeClr>
+          </a:lnRef>
+          <a:fillRef idx="1">
+            <a:schemeClr val="accent1"/>
+          </a:fillRef>
+          <a:effectRef idx="0">
+            <a:schemeClr val="accent1"/>
+          </a:effectRef>
+          <a:fontRef idx="minor">
+            <a:schemeClr val="lt1"/>
+          </a:fontRef>
+        </p:style>
+        <p:txBody>
+          <a:bodyPr tIns="36000" bIns="36000" rtlCol="0" anchor="ctr"/>
+          <a:lstStyle/>
+          <a:p>
+            <a:pPr algn="ctr">
+              <a:lnSpc>
+                <a:spcPct val="90000"/>
+              </a:lnSpc>
+            </a:pPr>
+            <a:endParaRPr lang="da-DK" sz="2800" b="1" noProof="1"/>
+          </a:p>
+        </p:txBody>
+      </p:sp>
+      <p:grpSp>
+        <p:nvGrpSpPr>
+          <p:cNvPr id="40" name="Group 39">
+            <a:extLst>
+              <a:ext uri="{FF2B5EF4-FFF2-40B4-BE49-F238E27FC236}">
+                <a16:creationId xmlns:a16="http://schemas.microsoft.com/office/drawing/2014/main" id="{06F2DF40-08FA-8FE4-486F-A1A9F3A34797}"/>
+              </a:ext>
+            </a:extLst>
+          </p:cNvPr>
+          <p:cNvGrpSpPr/>
+          <p:nvPr/>
+        </p:nvGrpSpPr>
+        <p:grpSpPr>
+          <a:xfrm>
+            <a:off x="3855088" y="692696"/>
+            <a:ext cx="651973" cy="433931"/>
+            <a:chOff x="3855088" y="705135"/>
+            <a:chExt cx="651973" cy="433931"/>
+          </a:xfrm>
+        </p:grpSpPr>
+        <p:sp>
+          <p:nvSpPr>
+            <p:cNvPr id="24" name="Rectangle: Rounded Corners 23">
+              <a:extLst>
+                <a:ext uri="{FF2B5EF4-FFF2-40B4-BE49-F238E27FC236}">
+                  <a16:creationId xmlns:a16="http://schemas.microsoft.com/office/drawing/2014/main" id="{30172C8E-1ECA-D0BD-2915-A9888D0F831F}"/>
+                </a:ext>
+              </a:extLst>
+            </p:cNvPr>
+            <p:cNvSpPr/>
+            <p:nvPr/>
+          </p:nvSpPr>
+          <p:spPr>
+            <a:xfrm>
+              <a:off x="3855088" y="705135"/>
+              <a:ext cx="648072" cy="431636"/>
+            </a:xfrm>
+            <a:prstGeom prst="roundRect">
+              <a:avLst/>
+            </a:prstGeom>
+            <a:solidFill>
+              <a:srgbClr val="F2F2F2"/>
+            </a:solidFill>
+            <a:ln>
+              <a:noFill/>
+            </a:ln>
+            <a:effectLst>
+              <a:outerShdw blurRad="50800" dist="38100" dir="5400000" algn="t" rotWithShape="0">
+                <a:prstClr val="black">
+                  <a:alpha val="40000"/>
+                </a:prstClr>
+              </a:outerShdw>
+            </a:effectLst>
+          </p:spPr>
+          <p:style>
+            <a:lnRef idx="2">
+              <a:schemeClr val="accent1">
+                <a:shade val="50000"/>
+              </a:schemeClr>
+            </a:lnRef>
+            <a:fillRef idx="1">
+              <a:schemeClr val="accent1"/>
+            </a:fillRef>
+            <a:effectRef idx="0">
+              <a:schemeClr val="accent1"/>
+            </a:effectRef>
+            <a:fontRef idx="minor">
+              <a:schemeClr val="lt1"/>
+            </a:fontRef>
+          </p:style>
+          <p:txBody>
+            <a:bodyPr tIns="36000" bIns="36000" rtlCol="0" anchor="ctr"/>
+            <a:lstStyle/>
+            <a:p>
+              <a:pPr algn="ctr">
+                <a:lnSpc>
+                  <a:spcPct val="90000"/>
+                </a:lnSpc>
+              </a:pPr>
+              <a:endParaRPr lang="en-US" sz="2800" dirty="0" err="1">
+                <a:solidFill>
+                  <a:srgbClr val="F2F2F2"/>
+                </a:solidFill>
+              </a:endParaRPr>
+            </a:p>
+          </p:txBody>
+        </p:sp>
+        <p:grpSp>
+          <p:nvGrpSpPr>
+            <p:cNvPr id="27" name="Group 26">
+              <a:extLst>
+                <a:ext uri="{FF2B5EF4-FFF2-40B4-BE49-F238E27FC236}">
+                  <a16:creationId xmlns:a16="http://schemas.microsoft.com/office/drawing/2014/main" id="{45F94553-77C3-CAC5-FBEB-ED58554A5998}"/>
+                </a:ext>
+              </a:extLst>
+            </p:cNvPr>
+            <p:cNvGrpSpPr/>
+            <p:nvPr/>
+          </p:nvGrpSpPr>
+          <p:grpSpPr>
+            <a:xfrm>
+              <a:off x="3858989" y="707430"/>
+              <a:ext cx="648072" cy="431636"/>
+              <a:chOff x="3858989" y="707430"/>
+              <a:chExt cx="648072" cy="431636"/>
+            </a:xfrm>
+          </p:grpSpPr>
+          <p:sp>
+            <p:nvSpPr>
+              <p:cNvPr id="4" name="Rectangle: Rounded Corners 3">
+                <a:extLst>
+                  <a:ext uri="{FF2B5EF4-FFF2-40B4-BE49-F238E27FC236}">
+                    <a16:creationId xmlns:a16="http://schemas.microsoft.com/office/drawing/2014/main" id="{C794B06A-9AD1-6574-45BD-4FB238E2148D}"/>
+                  </a:ext>
+                </a:extLst>
+              </p:cNvPr>
+              <p:cNvSpPr/>
+              <p:nvPr/>
+            </p:nvSpPr>
+            <p:spPr>
+              <a:xfrm>
+                <a:off x="3858989" y="707430"/>
+                <a:ext cx="648072" cy="431636"/>
+              </a:xfrm>
+              <a:prstGeom prst="roundRect">
+                <a:avLst/>
+              </a:prstGeom>
+              <a:solidFill>
+                <a:srgbClr val="F2F2F2"/>
+              </a:solidFill>
+              <a:ln>
+                <a:noFill/>
+              </a:ln>
+              <a:effectLst>
+                <a:innerShdw blurRad="63500" dist="12700" dir="15900000">
+                  <a:schemeClr val="bg1">
+                    <a:alpha val="86000"/>
+                  </a:schemeClr>
+                </a:innerShdw>
+              </a:effectLst>
+            </p:spPr>
+            <p:style>
+              <a:lnRef idx="2">
+                <a:schemeClr val="accent1">
+                  <a:shade val="50000"/>
+                </a:schemeClr>
+              </a:lnRef>
+              <a:fillRef idx="1">
+                <a:schemeClr val="accent1"/>
+              </a:fillRef>
+              <a:effectRef idx="0">
+                <a:schemeClr val="accent1"/>
+              </a:effectRef>
+              <a:fontRef idx="minor">
+                <a:schemeClr val="lt1"/>
+              </a:fontRef>
+            </p:style>
+            <p:txBody>
+              <a:bodyPr tIns="36000" bIns="36000" rtlCol="0" anchor="ctr"/>
+              <a:lstStyle/>
+              <a:p>
+                <a:pPr algn="ctr">
+                  <a:lnSpc>
+                    <a:spcPct val="90000"/>
+                  </a:lnSpc>
+                </a:pPr>
+                <a:endParaRPr lang="en-US" sz="2800" dirty="0" err="1">
+                  <a:solidFill>
+                    <a:srgbClr val="F2F2F2"/>
+                  </a:solidFill>
+                </a:endParaRPr>
+              </a:p>
+            </p:txBody>
+          </p:sp>
+          <p:sp>
+            <p:nvSpPr>
+              <p:cNvPr id="36" name="Rectangle 35">
+                <a:extLst>
+                  <a:ext uri="{FF2B5EF4-FFF2-40B4-BE49-F238E27FC236}">
+                    <a16:creationId xmlns:a16="http://schemas.microsoft.com/office/drawing/2014/main" id="{4FE02AD1-9367-4E89-970E-85CF7C336B16}"/>
+                  </a:ext>
+                </a:extLst>
+              </p:cNvPr>
+              <p:cNvSpPr/>
+              <p:nvPr/>
+            </p:nvSpPr>
+            <p:spPr>
+              <a:xfrm>
+                <a:off x="3913265" y="745652"/>
+                <a:ext cx="528408" cy="322002"/>
+              </a:xfrm>
+              <a:prstGeom prst="rect">
+                <a:avLst/>
+              </a:prstGeom>
+              <a:noFill/>
+              <a:ln>
+                <a:noFill/>
+              </a:ln>
+            </p:spPr>
+            <p:style>
+              <a:lnRef idx="2">
+                <a:schemeClr val="accent1">
+                  <a:shade val="50000"/>
+                </a:schemeClr>
+              </a:lnRef>
+              <a:fillRef idx="1">
+                <a:schemeClr val="accent1"/>
+              </a:fillRef>
+              <a:effectRef idx="0">
+                <a:schemeClr val="accent1"/>
+              </a:effectRef>
+              <a:fontRef idx="minor">
+                <a:schemeClr val="lt1"/>
+              </a:fontRef>
+            </p:style>
+            <p:txBody>
+              <a:bodyPr tIns="36000" bIns="36000" rtlCol="0" anchor="ctr"/>
+              <a:lstStyle/>
+              <a:p>
+                <a:pPr>
+                  <a:lnSpc>
+                    <a:spcPct val="90000"/>
+                  </a:lnSpc>
+                </a:pPr>
+                <a:r>
+                  <a:rPr lang="da-DK" sz="1600" noProof="1">
+                    <a:solidFill>
+                      <a:schemeClr val="tx1"/>
+                    </a:solidFill>
+                    <a:latin typeface="Rubik" pitchFamily="2" charset="-79"/>
+                    <a:cs typeface="Rubik" pitchFamily="2" charset="-79"/>
+                  </a:rPr>
+                  <a:t>add</a:t>
+                </a:r>
+              </a:p>
+            </p:txBody>
+          </p:sp>
+        </p:grpSp>
+      </p:grpSp>
+      <p:sp>
+        <p:nvSpPr>
+          <p:cNvPr id="65" name="Rectangle 64">
+            <a:extLst>
+              <a:ext uri="{FF2B5EF4-FFF2-40B4-BE49-F238E27FC236}">
+                <a16:creationId xmlns:a16="http://schemas.microsoft.com/office/drawing/2014/main" id="{6E760097-2A59-E6D5-BE36-86EBD2F63455}"/>
+              </a:ext>
+            </a:extLst>
+          </p:cNvPr>
+          <p:cNvSpPr/>
+          <p:nvPr/>
+        </p:nvSpPr>
+        <p:spPr>
+          <a:xfrm>
+            <a:off x="3807922" y="1064641"/>
+            <a:ext cx="752706" cy="306021"/>
+          </a:xfrm>
+          <a:prstGeom prst="rect">
+            <a:avLst/>
+          </a:prstGeom>
+          <a:solidFill>
+            <a:srgbClr val="F2F2F2"/>
+          </a:solidFill>
+          <a:ln>
+            <a:noFill/>
+          </a:ln>
+        </p:spPr>
+        <p:style>
+          <a:lnRef idx="2">
+            <a:schemeClr val="accent1">
+              <a:shade val="50000"/>
+            </a:schemeClr>
+          </a:lnRef>
+          <a:fillRef idx="1">
+            <a:schemeClr val="accent1"/>
+          </a:fillRef>
+          <a:effectRef idx="0">
+            <a:schemeClr val="accent1"/>
+          </a:effectRef>
+          <a:fontRef idx="minor">
+            <a:schemeClr val="lt1"/>
+          </a:fontRef>
+        </p:style>
+        <p:txBody>
+          <a:bodyPr tIns="36000" bIns="36000" rtlCol="0" anchor="ctr"/>
+          <a:lstStyle/>
+          <a:p>
+            <a:pPr algn="ctr">
+              <a:lnSpc>
+                <a:spcPct val="90000"/>
+              </a:lnSpc>
+            </a:pPr>
+            <a:endParaRPr lang="en-US" sz="2800" dirty="0" err="1"/>
+          </a:p>
+        </p:txBody>
+      </p:sp>
+    </p:spTree>
+    <p:extLst>
+      <p:ext uri="{BB962C8B-B14F-4D97-AF65-F5344CB8AC3E}">
+        <p14:creationId xmlns:p14="http://schemas.microsoft.com/office/powerpoint/2010/main" val="2826764846"/>
       </p:ext>
     </p:extLst>
   </p:cSld>

--- a/Editor Google Material Mockup.pptx
+++ b/Editor Google Material Mockup.pptx
@@ -262,7 +262,7 @@
               <a:rPr lang="en-US" sz="1100" smtClean="0">
                 <a:latin typeface="Segoe UI Light" pitchFamily="34" charset="0"/>
               </a:rPr>
-              <a:t>7/30/2024</a:t>
+              <a:t>3/18/2025</a:t>
             </a:fld>
             <a:endParaRPr lang="en-US" sz="1100">
               <a:latin typeface="Segoe UI Light" pitchFamily="34" charset="0"/>
@@ -435,7 +435,7 @@
           <a:p>
             <a:fld id="{F04FDEA8-CBB8-46CC-9562-028963DBC55A}" type="datetimeFigureOut">
               <a:rPr lang="en-US" smtClean="0"/>
-              <a:t>7/30/2024</a:t>
+              <a:t>3/17/2025</a:t>
             </a:fld>
             <a:endParaRPr lang="en-US"/>
           </a:p>
